--- a/Documentation/AI and ChatGPT.pptx
+++ b/Documentation/AI and ChatGPT.pptx
@@ -142,7 +142,7 @@
   </p:defaultTextStyle>
   <p:extLst>
     <p:ext uri="{EFAFB233-063F-42B5-8137-9DF3F51BA10A}">
-      <p15:sldGuideLst xmlns="" xmlns:p15="http://schemas.microsoft.com/office/powerpoint/2012/main">
+      <p15:sldGuideLst xmlns:p15="http://schemas.microsoft.com/office/powerpoint/2012/main">
         <p15:guide id="1" orient="horz" pos="2160">
           <p15:clr>
             <a:srgbClr val="A4A3A4"/>
@@ -241,7 +241,7 @@
           <a:p>
             <a:fld id="{70B60CFD-5DCB-4285-80B2-FB614FDA26CE}" type="datetimeFigureOut">
               <a:rPr lang="en-AU" smtClean="0"/>
-              <a:t>6/05/2023</a:t>
+              <a:t>13/05/2023</a:t>
             </a:fld>
             <a:endParaRPr lang="en-AU"/>
           </a:p>
@@ -637,10 +637,7 @@
           <a:bodyPr/>
           <a:lstStyle/>
           <a:p>
-            <a:r>
-              <a:rPr lang="en-AU" dirty="0"/>
-              <a:t>Facts cant be copyrighted, but a collection of facts can be.</a:t>
-            </a:r>
+            <a:endParaRPr lang="en-AU" dirty="0"/>
           </a:p>
         </p:txBody>
       </p:sp>
@@ -661,7 +658,7 @@
           <a:p>
             <a:fld id="{1FB06271-333F-42AA-AD1D-7CABB7E0F4F6}" type="slidenum">
               <a:rPr lang="en-AU" smtClean="0"/>
-              <a:t>14</a:t>
+              <a:t>13</a:t>
             </a:fld>
             <a:endParaRPr lang="en-AU"/>
           </a:p>
@@ -670,7 +667,7 @@
     </p:spTree>
     <p:extLst>
       <p:ext uri="{BB962C8B-B14F-4D97-AF65-F5344CB8AC3E}">
-        <p14:creationId xmlns:p14="http://schemas.microsoft.com/office/powerpoint/2010/main" val="1299890522"/>
+        <p14:creationId xmlns:p14="http://schemas.microsoft.com/office/powerpoint/2010/main" val="1997729602"/>
       </p:ext>
     </p:extLst>
   </p:cSld>
@@ -724,7 +721,10 @@
           <a:bodyPr/>
           <a:lstStyle/>
           <a:p>
-            <a:endParaRPr lang="en-AU" dirty="0"/>
+            <a:r>
+              <a:rPr lang="en-AU" dirty="0"/>
+              <a:t>Facts cant be copyrighted, but a collection of facts can be.</a:t>
+            </a:r>
           </a:p>
         </p:txBody>
       </p:sp>
@@ -745,7 +745,7 @@
           <a:p>
             <a:fld id="{1FB06271-333F-42AA-AD1D-7CABB7E0F4F6}" type="slidenum">
               <a:rPr lang="en-AU" smtClean="0"/>
-              <a:t>17</a:t>
+              <a:t>14</a:t>
             </a:fld>
             <a:endParaRPr lang="en-AU"/>
           </a:p>
@@ -754,7 +754,7 @@
     </p:spTree>
     <p:extLst>
       <p:ext uri="{BB962C8B-B14F-4D97-AF65-F5344CB8AC3E}">
-        <p14:creationId xmlns:p14="http://schemas.microsoft.com/office/powerpoint/2010/main" val="3817559747"/>
+        <p14:creationId xmlns:p14="http://schemas.microsoft.com/office/powerpoint/2010/main" val="1299890522"/>
       </p:ext>
     </p:extLst>
   </p:cSld>
@@ -829,6 +829,90 @@
           <a:p>
             <a:fld id="{1FB06271-333F-42AA-AD1D-7CABB7E0F4F6}" type="slidenum">
               <a:rPr lang="en-AU" smtClean="0"/>
+              <a:t>17</a:t>
+            </a:fld>
+            <a:endParaRPr lang="en-AU"/>
+          </a:p>
+        </p:txBody>
+      </p:sp>
+    </p:spTree>
+    <p:extLst>
+      <p:ext uri="{BB962C8B-B14F-4D97-AF65-F5344CB8AC3E}">
+        <p14:creationId xmlns:p14="http://schemas.microsoft.com/office/powerpoint/2010/main" val="3817559747"/>
+      </p:ext>
+    </p:extLst>
+  </p:cSld>
+  <p:clrMapOvr>
+    <a:masterClrMapping/>
+  </p:clrMapOvr>
+</p:notes>
+</file>
+
+<file path=ppt/notesSlides/notesSlide5.xml><?xml version="1.0" encoding="utf-8"?>
+<p:notes xmlns:a="http://schemas.openxmlformats.org/drawingml/2006/main" xmlns:r="http://schemas.openxmlformats.org/officeDocument/2006/relationships" xmlns:p="http://schemas.openxmlformats.org/presentationml/2006/main">
+  <p:cSld>
+    <p:spTree>
+      <p:nvGrpSpPr>
+        <p:cNvPr id="1" name=""/>
+        <p:cNvGrpSpPr/>
+        <p:nvPr/>
+      </p:nvGrpSpPr>
+      <p:grpSpPr>
+        <a:xfrm>
+          <a:off x="0" y="0"/>
+          <a:ext cx="0" cy="0"/>
+          <a:chOff x="0" y="0"/>
+          <a:chExt cx="0" cy="0"/>
+        </a:xfrm>
+      </p:grpSpPr>
+      <p:sp>
+        <p:nvSpPr>
+          <p:cNvPr id="2" name="Slide Image Placeholder 1"/>
+          <p:cNvSpPr>
+            <a:spLocks noGrp="1" noRot="1" noChangeAspect="1"/>
+          </p:cNvSpPr>
+          <p:nvPr>
+            <p:ph type="sldImg"/>
+          </p:nvPr>
+        </p:nvSpPr>
+        <p:spPr/>
+      </p:sp>
+      <p:sp>
+        <p:nvSpPr>
+          <p:cNvPr id="3" name="Notes Placeholder 2"/>
+          <p:cNvSpPr>
+            <a:spLocks noGrp="1"/>
+          </p:cNvSpPr>
+          <p:nvPr>
+            <p:ph type="body" idx="1"/>
+          </p:nvPr>
+        </p:nvSpPr>
+        <p:spPr/>
+        <p:txBody>
+          <a:bodyPr/>
+          <a:lstStyle/>
+          <a:p>
+            <a:endParaRPr lang="en-AU" dirty="0"/>
+          </a:p>
+        </p:txBody>
+      </p:sp>
+      <p:sp>
+        <p:nvSpPr>
+          <p:cNvPr id="4" name="Slide Number Placeholder 3"/>
+          <p:cNvSpPr>
+            <a:spLocks noGrp="1"/>
+          </p:cNvSpPr>
+          <p:nvPr>
+            <p:ph type="sldNum" sz="quarter" idx="5"/>
+          </p:nvPr>
+        </p:nvSpPr>
+        <p:spPr/>
+        <p:txBody>
+          <a:bodyPr/>
+          <a:lstStyle/>
+          <a:p>
+            <a:fld id="{1FB06271-333F-42AA-AD1D-7CABB7E0F4F6}" type="slidenum">
+              <a:rPr lang="en-AU" smtClean="0"/>
               <a:t>22</a:t>
             </a:fld>
             <a:endParaRPr lang="en-AU"/>
@@ -848,7 +932,7 @@
 </p:notes>
 </file>
 
-<file path=ppt/notesSlides/notesSlide5.xml><?xml version="1.0" encoding="utf-8"?>
+<file path=ppt/notesSlides/notesSlide6.xml><?xml version="1.0" encoding="utf-8"?>
 <p:notes xmlns:a="http://schemas.openxmlformats.org/drawingml/2006/main" xmlns:r="http://schemas.openxmlformats.org/officeDocument/2006/relationships" xmlns:p="http://schemas.openxmlformats.org/presentationml/2006/main">
   <p:cSld>
     <p:spTree>
@@ -954,7 +1038,7 @@
           <p:cNvPr id="2" name="Title 1">
             <a:extLst>
               <a:ext uri="{FF2B5EF4-FFF2-40B4-BE49-F238E27FC236}">
-                <a16:creationId xmlns="" xmlns:a16="http://schemas.microsoft.com/office/drawing/2014/main" id="{BC4214B1-38C6-30E2-D437-807D2CF999D9}"/>
+                <a16:creationId xmlns:a16="http://schemas.microsoft.com/office/drawing/2014/main" id="{BC4214B1-38C6-30E2-D437-807D2CF999D9}"/>
               </a:ext>
             </a:extLst>
           </p:cNvPr>
@@ -992,7 +1076,7 @@
           <p:cNvPr id="3" name="Subtitle 2">
             <a:extLst>
               <a:ext uri="{FF2B5EF4-FFF2-40B4-BE49-F238E27FC236}">
-                <a16:creationId xmlns="" xmlns:a16="http://schemas.microsoft.com/office/drawing/2014/main" id="{EB2F8A17-2864-B57B-F847-8ADCA99D52E3}"/>
+                <a16:creationId xmlns:a16="http://schemas.microsoft.com/office/drawing/2014/main" id="{EB2F8A17-2864-B57B-F847-8ADCA99D52E3}"/>
               </a:ext>
             </a:extLst>
           </p:cNvPr>
@@ -1063,7 +1147,7 @@
           <p:cNvPr id="4" name="Date Placeholder 3">
             <a:extLst>
               <a:ext uri="{FF2B5EF4-FFF2-40B4-BE49-F238E27FC236}">
-                <a16:creationId xmlns="" xmlns:a16="http://schemas.microsoft.com/office/drawing/2014/main" id="{71B2B7ED-14C6-DCD5-30CB-900BEB7D6F14}"/>
+                <a16:creationId xmlns:a16="http://schemas.microsoft.com/office/drawing/2014/main" id="{71B2B7ED-14C6-DCD5-30CB-900BEB7D6F14}"/>
               </a:ext>
             </a:extLst>
           </p:cNvPr>
@@ -1081,7 +1165,7 @@
           <a:p>
             <a:fld id="{18DC9284-3259-4668-9DB1-17E5134515F4}" type="datetimeFigureOut">
               <a:rPr lang="en-AU" smtClean="0"/>
-              <a:t>6/05/2023</a:t>
+              <a:t>13/05/2023</a:t>
             </a:fld>
             <a:endParaRPr lang="en-AU"/>
           </a:p>
@@ -1092,7 +1176,7 @@
           <p:cNvPr id="5" name="Footer Placeholder 4">
             <a:extLst>
               <a:ext uri="{FF2B5EF4-FFF2-40B4-BE49-F238E27FC236}">
-                <a16:creationId xmlns="" xmlns:a16="http://schemas.microsoft.com/office/drawing/2014/main" id="{4876AC09-FB32-DD40-3B88-C8C3BEC6F634}"/>
+                <a16:creationId xmlns:a16="http://schemas.microsoft.com/office/drawing/2014/main" id="{4876AC09-FB32-DD40-3B88-C8C3BEC6F634}"/>
               </a:ext>
             </a:extLst>
           </p:cNvPr>
@@ -1117,7 +1201,7 @@
           <p:cNvPr id="6" name="Slide Number Placeholder 5">
             <a:extLst>
               <a:ext uri="{FF2B5EF4-FFF2-40B4-BE49-F238E27FC236}">
-                <a16:creationId xmlns="" xmlns:a16="http://schemas.microsoft.com/office/drawing/2014/main" id="{3646A5B6-2278-133C-9693-7D8E0356FEAB}"/>
+                <a16:creationId xmlns:a16="http://schemas.microsoft.com/office/drawing/2014/main" id="{3646A5B6-2278-133C-9693-7D8E0356FEAB}"/>
               </a:ext>
             </a:extLst>
           </p:cNvPr>
@@ -1176,7 +1260,7 @@
           <p:cNvPr id="2" name="Title 1">
             <a:extLst>
               <a:ext uri="{FF2B5EF4-FFF2-40B4-BE49-F238E27FC236}">
-                <a16:creationId xmlns="" xmlns:a16="http://schemas.microsoft.com/office/drawing/2014/main" id="{F1E381B9-B1ED-6502-5D80-9C90B6D4FA39}"/>
+                <a16:creationId xmlns:a16="http://schemas.microsoft.com/office/drawing/2014/main" id="{F1E381B9-B1ED-6502-5D80-9C90B6D4FA39}"/>
               </a:ext>
             </a:extLst>
           </p:cNvPr>
@@ -1205,7 +1289,7 @@
           <p:cNvPr id="3" name="Vertical Text Placeholder 2">
             <a:extLst>
               <a:ext uri="{FF2B5EF4-FFF2-40B4-BE49-F238E27FC236}">
-                <a16:creationId xmlns="" xmlns:a16="http://schemas.microsoft.com/office/drawing/2014/main" id="{1ED163DC-6C5E-9BD4-3B5B-E1ECB6C56719}"/>
+                <a16:creationId xmlns:a16="http://schemas.microsoft.com/office/drawing/2014/main" id="{1ED163DC-6C5E-9BD4-3B5B-E1ECB6C56719}"/>
               </a:ext>
             </a:extLst>
           </p:cNvPr>
@@ -1263,7 +1347,7 @@
           <p:cNvPr id="4" name="Date Placeholder 3">
             <a:extLst>
               <a:ext uri="{FF2B5EF4-FFF2-40B4-BE49-F238E27FC236}">
-                <a16:creationId xmlns="" xmlns:a16="http://schemas.microsoft.com/office/drawing/2014/main" id="{BE316926-687C-4FA4-AC69-0040B25578D0}"/>
+                <a16:creationId xmlns:a16="http://schemas.microsoft.com/office/drawing/2014/main" id="{BE316926-687C-4FA4-AC69-0040B25578D0}"/>
               </a:ext>
             </a:extLst>
           </p:cNvPr>
@@ -1281,7 +1365,7 @@
           <a:p>
             <a:fld id="{18DC9284-3259-4668-9DB1-17E5134515F4}" type="datetimeFigureOut">
               <a:rPr lang="en-AU" smtClean="0"/>
-              <a:t>6/05/2023</a:t>
+              <a:t>13/05/2023</a:t>
             </a:fld>
             <a:endParaRPr lang="en-AU"/>
           </a:p>
@@ -1292,7 +1376,7 @@
           <p:cNvPr id="5" name="Footer Placeholder 4">
             <a:extLst>
               <a:ext uri="{FF2B5EF4-FFF2-40B4-BE49-F238E27FC236}">
-                <a16:creationId xmlns="" xmlns:a16="http://schemas.microsoft.com/office/drawing/2014/main" id="{2080C59C-7EE2-99D8-20D2-78A90462AA07}"/>
+                <a16:creationId xmlns:a16="http://schemas.microsoft.com/office/drawing/2014/main" id="{2080C59C-7EE2-99D8-20D2-78A90462AA07}"/>
               </a:ext>
             </a:extLst>
           </p:cNvPr>
@@ -1317,7 +1401,7 @@
           <p:cNvPr id="6" name="Slide Number Placeholder 5">
             <a:extLst>
               <a:ext uri="{FF2B5EF4-FFF2-40B4-BE49-F238E27FC236}">
-                <a16:creationId xmlns="" xmlns:a16="http://schemas.microsoft.com/office/drawing/2014/main" id="{943CE204-8A94-93FA-77C7-4E171459531C}"/>
+                <a16:creationId xmlns:a16="http://schemas.microsoft.com/office/drawing/2014/main" id="{943CE204-8A94-93FA-77C7-4E171459531C}"/>
               </a:ext>
             </a:extLst>
           </p:cNvPr>
@@ -1376,7 +1460,7 @@
           <p:cNvPr id="2" name="Vertical Title 1">
             <a:extLst>
               <a:ext uri="{FF2B5EF4-FFF2-40B4-BE49-F238E27FC236}">
-                <a16:creationId xmlns="" xmlns:a16="http://schemas.microsoft.com/office/drawing/2014/main" id="{E4BA0DF2-1AA5-2335-1CCC-76F9694D6FDC}"/>
+                <a16:creationId xmlns:a16="http://schemas.microsoft.com/office/drawing/2014/main" id="{E4BA0DF2-1AA5-2335-1CCC-76F9694D6FDC}"/>
               </a:ext>
             </a:extLst>
           </p:cNvPr>
@@ -1410,7 +1494,7 @@
           <p:cNvPr id="3" name="Vertical Text Placeholder 2">
             <a:extLst>
               <a:ext uri="{FF2B5EF4-FFF2-40B4-BE49-F238E27FC236}">
-                <a16:creationId xmlns="" xmlns:a16="http://schemas.microsoft.com/office/drawing/2014/main" id="{702A8D77-2053-A465-578E-AB1053C0CD76}"/>
+                <a16:creationId xmlns:a16="http://schemas.microsoft.com/office/drawing/2014/main" id="{702A8D77-2053-A465-578E-AB1053C0CD76}"/>
               </a:ext>
             </a:extLst>
           </p:cNvPr>
@@ -1473,7 +1557,7 @@
           <p:cNvPr id="4" name="Date Placeholder 3">
             <a:extLst>
               <a:ext uri="{FF2B5EF4-FFF2-40B4-BE49-F238E27FC236}">
-                <a16:creationId xmlns="" xmlns:a16="http://schemas.microsoft.com/office/drawing/2014/main" id="{02C82278-F0E1-4E22-9139-9E615E028AE0}"/>
+                <a16:creationId xmlns:a16="http://schemas.microsoft.com/office/drawing/2014/main" id="{02C82278-F0E1-4E22-9139-9E615E028AE0}"/>
               </a:ext>
             </a:extLst>
           </p:cNvPr>
@@ -1491,7 +1575,7 @@
           <a:p>
             <a:fld id="{18DC9284-3259-4668-9DB1-17E5134515F4}" type="datetimeFigureOut">
               <a:rPr lang="en-AU" smtClean="0"/>
-              <a:t>6/05/2023</a:t>
+              <a:t>13/05/2023</a:t>
             </a:fld>
             <a:endParaRPr lang="en-AU"/>
           </a:p>
@@ -1502,7 +1586,7 @@
           <p:cNvPr id="5" name="Footer Placeholder 4">
             <a:extLst>
               <a:ext uri="{FF2B5EF4-FFF2-40B4-BE49-F238E27FC236}">
-                <a16:creationId xmlns="" xmlns:a16="http://schemas.microsoft.com/office/drawing/2014/main" id="{8C75AE78-9CDA-B891-4234-81F271427B15}"/>
+                <a16:creationId xmlns:a16="http://schemas.microsoft.com/office/drawing/2014/main" id="{8C75AE78-9CDA-B891-4234-81F271427B15}"/>
               </a:ext>
             </a:extLst>
           </p:cNvPr>
@@ -1527,7 +1611,7 @@
           <p:cNvPr id="6" name="Slide Number Placeholder 5">
             <a:extLst>
               <a:ext uri="{FF2B5EF4-FFF2-40B4-BE49-F238E27FC236}">
-                <a16:creationId xmlns="" xmlns:a16="http://schemas.microsoft.com/office/drawing/2014/main" id="{0670F4E0-3E50-0D93-C4B9-E45E33EA9E51}"/>
+                <a16:creationId xmlns:a16="http://schemas.microsoft.com/office/drawing/2014/main" id="{0670F4E0-3E50-0D93-C4B9-E45E33EA9E51}"/>
               </a:ext>
             </a:extLst>
           </p:cNvPr>
@@ -1629,7 +1713,7 @@
           <p:cNvPr id="2" name="Title 1">
             <a:extLst>
               <a:ext uri="{FF2B5EF4-FFF2-40B4-BE49-F238E27FC236}">
-                <a16:creationId xmlns="" xmlns:a16="http://schemas.microsoft.com/office/drawing/2014/main" id="{882A305F-58E0-721C-14A1-57AF7218E99D}"/>
+                <a16:creationId xmlns:a16="http://schemas.microsoft.com/office/drawing/2014/main" id="{882A305F-58E0-721C-14A1-57AF7218E99D}"/>
               </a:ext>
             </a:extLst>
           </p:cNvPr>
@@ -1674,7 +1758,7 @@
           <p:cNvPr id="3" name="Content Placeholder 2">
             <a:extLst>
               <a:ext uri="{FF2B5EF4-FFF2-40B4-BE49-F238E27FC236}">
-                <a16:creationId xmlns="" xmlns:a16="http://schemas.microsoft.com/office/drawing/2014/main" id="{A4329BF5-D44A-3EB7-92A0-13AF3BABDBAC}"/>
+                <a16:creationId xmlns:a16="http://schemas.microsoft.com/office/drawing/2014/main" id="{A4329BF5-D44A-3EB7-92A0-13AF3BABDBAC}"/>
               </a:ext>
             </a:extLst>
           </p:cNvPr>
@@ -1732,7 +1816,7 @@
           <p:cNvPr id="4" name="Date Placeholder 3">
             <a:extLst>
               <a:ext uri="{FF2B5EF4-FFF2-40B4-BE49-F238E27FC236}">
-                <a16:creationId xmlns="" xmlns:a16="http://schemas.microsoft.com/office/drawing/2014/main" id="{F3CFA94E-EE7B-CB33-9748-DA9C7C533EED}"/>
+                <a16:creationId xmlns:a16="http://schemas.microsoft.com/office/drawing/2014/main" id="{F3CFA94E-EE7B-CB33-9748-DA9C7C533EED}"/>
               </a:ext>
             </a:extLst>
           </p:cNvPr>
@@ -1750,7 +1834,7 @@
           <a:p>
             <a:fld id="{18DC9284-3259-4668-9DB1-17E5134515F4}" type="datetimeFigureOut">
               <a:rPr lang="en-AU" smtClean="0"/>
-              <a:t>6/05/2023</a:t>
+              <a:t>13/05/2023</a:t>
             </a:fld>
             <a:endParaRPr lang="en-AU"/>
           </a:p>
@@ -1761,7 +1845,7 @@
           <p:cNvPr id="5" name="Footer Placeholder 4">
             <a:extLst>
               <a:ext uri="{FF2B5EF4-FFF2-40B4-BE49-F238E27FC236}">
-                <a16:creationId xmlns="" xmlns:a16="http://schemas.microsoft.com/office/drawing/2014/main" id="{12DB726A-DB88-414F-6210-94E7894A7461}"/>
+                <a16:creationId xmlns:a16="http://schemas.microsoft.com/office/drawing/2014/main" id="{12DB726A-DB88-414F-6210-94E7894A7461}"/>
               </a:ext>
             </a:extLst>
           </p:cNvPr>
@@ -1786,7 +1870,7 @@
           <p:cNvPr id="6" name="Slide Number Placeholder 5">
             <a:extLst>
               <a:ext uri="{FF2B5EF4-FFF2-40B4-BE49-F238E27FC236}">
-                <a16:creationId xmlns="" xmlns:a16="http://schemas.microsoft.com/office/drawing/2014/main" id="{B4CC685A-119D-377D-11FB-5D507D1AE3C4}"/>
+                <a16:creationId xmlns:a16="http://schemas.microsoft.com/office/drawing/2014/main" id="{B4CC685A-119D-377D-11FB-5D507D1AE3C4}"/>
               </a:ext>
             </a:extLst>
           </p:cNvPr>
@@ -1845,7 +1929,7 @@
           <p:cNvPr id="2" name="Title 1">
             <a:extLst>
               <a:ext uri="{FF2B5EF4-FFF2-40B4-BE49-F238E27FC236}">
-                <a16:creationId xmlns="" xmlns:a16="http://schemas.microsoft.com/office/drawing/2014/main" id="{3B02B426-538B-2417-AC72-B6C44766539D}"/>
+                <a16:creationId xmlns:a16="http://schemas.microsoft.com/office/drawing/2014/main" id="{3B02B426-538B-2417-AC72-B6C44766539D}"/>
               </a:ext>
             </a:extLst>
           </p:cNvPr>
@@ -1883,7 +1967,7 @@
           <p:cNvPr id="3" name="Text Placeholder 2">
             <a:extLst>
               <a:ext uri="{FF2B5EF4-FFF2-40B4-BE49-F238E27FC236}">
-                <a16:creationId xmlns="" xmlns:a16="http://schemas.microsoft.com/office/drawing/2014/main" id="{40A8353C-32A1-23EF-E302-D82836D811C4}"/>
+                <a16:creationId xmlns:a16="http://schemas.microsoft.com/office/drawing/2014/main" id="{40A8353C-32A1-23EF-E302-D82836D811C4}"/>
               </a:ext>
             </a:extLst>
           </p:cNvPr>
@@ -2008,7 +2092,7 @@
           <p:cNvPr id="4" name="Date Placeholder 3">
             <a:extLst>
               <a:ext uri="{FF2B5EF4-FFF2-40B4-BE49-F238E27FC236}">
-                <a16:creationId xmlns="" xmlns:a16="http://schemas.microsoft.com/office/drawing/2014/main" id="{94FDD531-D130-89C6-0FD2-FF8866099CE5}"/>
+                <a16:creationId xmlns:a16="http://schemas.microsoft.com/office/drawing/2014/main" id="{94FDD531-D130-89C6-0FD2-FF8866099CE5}"/>
               </a:ext>
             </a:extLst>
           </p:cNvPr>
@@ -2026,7 +2110,7 @@
           <a:p>
             <a:fld id="{18DC9284-3259-4668-9DB1-17E5134515F4}" type="datetimeFigureOut">
               <a:rPr lang="en-AU" smtClean="0"/>
-              <a:t>6/05/2023</a:t>
+              <a:t>13/05/2023</a:t>
             </a:fld>
             <a:endParaRPr lang="en-AU"/>
           </a:p>
@@ -2037,7 +2121,7 @@
           <p:cNvPr id="5" name="Footer Placeholder 4">
             <a:extLst>
               <a:ext uri="{FF2B5EF4-FFF2-40B4-BE49-F238E27FC236}">
-                <a16:creationId xmlns="" xmlns:a16="http://schemas.microsoft.com/office/drawing/2014/main" id="{4E880924-7E96-5A1D-AC33-DE6C8F3B06C4}"/>
+                <a16:creationId xmlns:a16="http://schemas.microsoft.com/office/drawing/2014/main" id="{4E880924-7E96-5A1D-AC33-DE6C8F3B06C4}"/>
               </a:ext>
             </a:extLst>
           </p:cNvPr>
@@ -2062,7 +2146,7 @@
           <p:cNvPr id="6" name="Slide Number Placeholder 5">
             <a:extLst>
               <a:ext uri="{FF2B5EF4-FFF2-40B4-BE49-F238E27FC236}">
-                <a16:creationId xmlns="" xmlns:a16="http://schemas.microsoft.com/office/drawing/2014/main" id="{987F531A-DA00-846E-B45D-C39C7030013E}"/>
+                <a16:creationId xmlns:a16="http://schemas.microsoft.com/office/drawing/2014/main" id="{987F531A-DA00-846E-B45D-C39C7030013E}"/>
               </a:ext>
             </a:extLst>
           </p:cNvPr>
@@ -2121,7 +2205,7 @@
           <p:cNvPr id="2" name="Title 1">
             <a:extLst>
               <a:ext uri="{FF2B5EF4-FFF2-40B4-BE49-F238E27FC236}">
-                <a16:creationId xmlns="" xmlns:a16="http://schemas.microsoft.com/office/drawing/2014/main" id="{4390F5E6-0BA2-9ADA-4E2F-AA407584EA4C}"/>
+                <a16:creationId xmlns:a16="http://schemas.microsoft.com/office/drawing/2014/main" id="{4390F5E6-0BA2-9ADA-4E2F-AA407584EA4C}"/>
               </a:ext>
             </a:extLst>
           </p:cNvPr>
@@ -2150,7 +2234,7 @@
           <p:cNvPr id="3" name="Content Placeholder 2">
             <a:extLst>
               <a:ext uri="{FF2B5EF4-FFF2-40B4-BE49-F238E27FC236}">
-                <a16:creationId xmlns="" xmlns:a16="http://schemas.microsoft.com/office/drawing/2014/main" id="{3DCE0526-9B1D-29C5-7768-B564E4830B62}"/>
+                <a16:creationId xmlns:a16="http://schemas.microsoft.com/office/drawing/2014/main" id="{3DCE0526-9B1D-29C5-7768-B564E4830B62}"/>
               </a:ext>
             </a:extLst>
           </p:cNvPr>
@@ -2213,7 +2297,7 @@
           <p:cNvPr id="4" name="Content Placeholder 3">
             <a:extLst>
               <a:ext uri="{FF2B5EF4-FFF2-40B4-BE49-F238E27FC236}">
-                <a16:creationId xmlns="" xmlns:a16="http://schemas.microsoft.com/office/drawing/2014/main" id="{C9482696-1DE2-E293-186B-9D829C0DE326}"/>
+                <a16:creationId xmlns:a16="http://schemas.microsoft.com/office/drawing/2014/main" id="{C9482696-1DE2-E293-186B-9D829C0DE326}"/>
               </a:ext>
             </a:extLst>
           </p:cNvPr>
@@ -2276,7 +2360,7 @@
           <p:cNvPr id="5" name="Date Placeholder 4">
             <a:extLst>
               <a:ext uri="{FF2B5EF4-FFF2-40B4-BE49-F238E27FC236}">
-                <a16:creationId xmlns="" xmlns:a16="http://schemas.microsoft.com/office/drawing/2014/main" id="{58FDD4DC-2C10-1093-F97B-2D1DDB5CC72C}"/>
+                <a16:creationId xmlns:a16="http://schemas.microsoft.com/office/drawing/2014/main" id="{58FDD4DC-2C10-1093-F97B-2D1DDB5CC72C}"/>
               </a:ext>
             </a:extLst>
           </p:cNvPr>
@@ -2294,7 +2378,7 @@
           <a:p>
             <a:fld id="{18DC9284-3259-4668-9DB1-17E5134515F4}" type="datetimeFigureOut">
               <a:rPr lang="en-AU" smtClean="0"/>
-              <a:t>6/05/2023</a:t>
+              <a:t>13/05/2023</a:t>
             </a:fld>
             <a:endParaRPr lang="en-AU"/>
           </a:p>
@@ -2305,7 +2389,7 @@
           <p:cNvPr id="6" name="Footer Placeholder 5">
             <a:extLst>
               <a:ext uri="{FF2B5EF4-FFF2-40B4-BE49-F238E27FC236}">
-                <a16:creationId xmlns="" xmlns:a16="http://schemas.microsoft.com/office/drawing/2014/main" id="{57F48845-7C47-CE70-D26B-AB281F6AAA52}"/>
+                <a16:creationId xmlns:a16="http://schemas.microsoft.com/office/drawing/2014/main" id="{57F48845-7C47-CE70-D26B-AB281F6AAA52}"/>
               </a:ext>
             </a:extLst>
           </p:cNvPr>
@@ -2330,7 +2414,7 @@
           <p:cNvPr id="7" name="Slide Number Placeholder 6">
             <a:extLst>
               <a:ext uri="{FF2B5EF4-FFF2-40B4-BE49-F238E27FC236}">
-                <a16:creationId xmlns="" xmlns:a16="http://schemas.microsoft.com/office/drawing/2014/main" id="{FD2E37E0-0F5E-00E0-8789-8AC425C45FA2}"/>
+                <a16:creationId xmlns:a16="http://schemas.microsoft.com/office/drawing/2014/main" id="{FD2E37E0-0F5E-00E0-8789-8AC425C45FA2}"/>
               </a:ext>
             </a:extLst>
           </p:cNvPr>
@@ -2389,7 +2473,7 @@
           <p:cNvPr id="2" name="Title 1">
             <a:extLst>
               <a:ext uri="{FF2B5EF4-FFF2-40B4-BE49-F238E27FC236}">
-                <a16:creationId xmlns="" xmlns:a16="http://schemas.microsoft.com/office/drawing/2014/main" id="{15A971E1-A9A6-7FAD-CCC8-F6FE5E0D7922}"/>
+                <a16:creationId xmlns:a16="http://schemas.microsoft.com/office/drawing/2014/main" id="{15A971E1-A9A6-7FAD-CCC8-F6FE5E0D7922}"/>
               </a:ext>
             </a:extLst>
           </p:cNvPr>
@@ -2423,7 +2507,7 @@
           <p:cNvPr id="3" name="Text Placeholder 2">
             <a:extLst>
               <a:ext uri="{FF2B5EF4-FFF2-40B4-BE49-F238E27FC236}">
-                <a16:creationId xmlns="" xmlns:a16="http://schemas.microsoft.com/office/drawing/2014/main" id="{11ECD282-2324-D0B2-2EFC-4BA86CE7D650}"/>
+                <a16:creationId xmlns:a16="http://schemas.microsoft.com/office/drawing/2014/main" id="{11ECD282-2324-D0B2-2EFC-4BA86CE7D650}"/>
               </a:ext>
             </a:extLst>
           </p:cNvPr>
@@ -2494,7 +2578,7 @@
           <p:cNvPr id="4" name="Content Placeholder 3">
             <a:extLst>
               <a:ext uri="{FF2B5EF4-FFF2-40B4-BE49-F238E27FC236}">
-                <a16:creationId xmlns="" xmlns:a16="http://schemas.microsoft.com/office/drawing/2014/main" id="{51D8A098-DFDC-55C4-599D-4498F196F010}"/>
+                <a16:creationId xmlns:a16="http://schemas.microsoft.com/office/drawing/2014/main" id="{51D8A098-DFDC-55C4-599D-4498F196F010}"/>
               </a:ext>
             </a:extLst>
           </p:cNvPr>
@@ -2557,7 +2641,7 @@
           <p:cNvPr id="5" name="Text Placeholder 4">
             <a:extLst>
               <a:ext uri="{FF2B5EF4-FFF2-40B4-BE49-F238E27FC236}">
-                <a16:creationId xmlns="" xmlns:a16="http://schemas.microsoft.com/office/drawing/2014/main" id="{31D719E1-1A05-BFA9-0F26-C2B4FA29D060}"/>
+                <a16:creationId xmlns:a16="http://schemas.microsoft.com/office/drawing/2014/main" id="{31D719E1-1A05-BFA9-0F26-C2B4FA29D060}"/>
               </a:ext>
             </a:extLst>
           </p:cNvPr>
@@ -2628,7 +2712,7 @@
           <p:cNvPr id="6" name="Content Placeholder 5">
             <a:extLst>
               <a:ext uri="{FF2B5EF4-FFF2-40B4-BE49-F238E27FC236}">
-                <a16:creationId xmlns="" xmlns:a16="http://schemas.microsoft.com/office/drawing/2014/main" id="{D0750B8E-2506-E5C7-9C90-7B367306A231}"/>
+                <a16:creationId xmlns:a16="http://schemas.microsoft.com/office/drawing/2014/main" id="{D0750B8E-2506-E5C7-9C90-7B367306A231}"/>
               </a:ext>
             </a:extLst>
           </p:cNvPr>
@@ -2691,7 +2775,7 @@
           <p:cNvPr id="7" name="Date Placeholder 6">
             <a:extLst>
               <a:ext uri="{FF2B5EF4-FFF2-40B4-BE49-F238E27FC236}">
-                <a16:creationId xmlns="" xmlns:a16="http://schemas.microsoft.com/office/drawing/2014/main" id="{CDC191A1-EE47-0BA6-121A-C484B53D2FB9}"/>
+                <a16:creationId xmlns:a16="http://schemas.microsoft.com/office/drawing/2014/main" id="{CDC191A1-EE47-0BA6-121A-C484B53D2FB9}"/>
               </a:ext>
             </a:extLst>
           </p:cNvPr>
@@ -2709,7 +2793,7 @@
           <a:p>
             <a:fld id="{18DC9284-3259-4668-9DB1-17E5134515F4}" type="datetimeFigureOut">
               <a:rPr lang="en-AU" smtClean="0"/>
-              <a:t>6/05/2023</a:t>
+              <a:t>13/05/2023</a:t>
             </a:fld>
             <a:endParaRPr lang="en-AU"/>
           </a:p>
@@ -2720,7 +2804,7 @@
           <p:cNvPr id="8" name="Footer Placeholder 7">
             <a:extLst>
               <a:ext uri="{FF2B5EF4-FFF2-40B4-BE49-F238E27FC236}">
-                <a16:creationId xmlns="" xmlns:a16="http://schemas.microsoft.com/office/drawing/2014/main" id="{3D53DB7D-66C8-04CE-FAF8-C25AE59C5048}"/>
+                <a16:creationId xmlns:a16="http://schemas.microsoft.com/office/drawing/2014/main" id="{3D53DB7D-66C8-04CE-FAF8-C25AE59C5048}"/>
               </a:ext>
             </a:extLst>
           </p:cNvPr>
@@ -2745,7 +2829,7 @@
           <p:cNvPr id="9" name="Slide Number Placeholder 8">
             <a:extLst>
               <a:ext uri="{FF2B5EF4-FFF2-40B4-BE49-F238E27FC236}">
-                <a16:creationId xmlns="" xmlns:a16="http://schemas.microsoft.com/office/drawing/2014/main" id="{D1542F22-7951-1572-72E0-A382311BBB36}"/>
+                <a16:creationId xmlns:a16="http://schemas.microsoft.com/office/drawing/2014/main" id="{D1542F22-7951-1572-72E0-A382311BBB36}"/>
               </a:ext>
             </a:extLst>
           </p:cNvPr>
@@ -2804,7 +2888,7 @@
           <p:cNvPr id="2" name="Title 1">
             <a:extLst>
               <a:ext uri="{FF2B5EF4-FFF2-40B4-BE49-F238E27FC236}">
-                <a16:creationId xmlns="" xmlns:a16="http://schemas.microsoft.com/office/drawing/2014/main" id="{8B251F34-18F0-623D-DF97-FD9E87339A0D}"/>
+                <a16:creationId xmlns:a16="http://schemas.microsoft.com/office/drawing/2014/main" id="{8B251F34-18F0-623D-DF97-FD9E87339A0D}"/>
               </a:ext>
             </a:extLst>
           </p:cNvPr>
@@ -2833,7 +2917,7 @@
           <p:cNvPr id="3" name="Date Placeholder 2">
             <a:extLst>
               <a:ext uri="{FF2B5EF4-FFF2-40B4-BE49-F238E27FC236}">
-                <a16:creationId xmlns="" xmlns:a16="http://schemas.microsoft.com/office/drawing/2014/main" id="{9CD36000-83AA-DB7A-5625-5EF1C4BC1549}"/>
+                <a16:creationId xmlns:a16="http://schemas.microsoft.com/office/drawing/2014/main" id="{9CD36000-83AA-DB7A-5625-5EF1C4BC1549}"/>
               </a:ext>
             </a:extLst>
           </p:cNvPr>
@@ -2851,7 +2935,7 @@
           <a:p>
             <a:fld id="{18DC9284-3259-4668-9DB1-17E5134515F4}" type="datetimeFigureOut">
               <a:rPr lang="en-AU" smtClean="0"/>
-              <a:t>6/05/2023</a:t>
+              <a:t>13/05/2023</a:t>
             </a:fld>
             <a:endParaRPr lang="en-AU"/>
           </a:p>
@@ -2862,7 +2946,7 @@
           <p:cNvPr id="4" name="Footer Placeholder 3">
             <a:extLst>
               <a:ext uri="{FF2B5EF4-FFF2-40B4-BE49-F238E27FC236}">
-                <a16:creationId xmlns="" xmlns:a16="http://schemas.microsoft.com/office/drawing/2014/main" id="{9AF958B3-96BF-99FD-7878-13C1B5593C8C}"/>
+                <a16:creationId xmlns:a16="http://schemas.microsoft.com/office/drawing/2014/main" id="{9AF958B3-96BF-99FD-7878-13C1B5593C8C}"/>
               </a:ext>
             </a:extLst>
           </p:cNvPr>
@@ -2887,7 +2971,7 @@
           <p:cNvPr id="5" name="Slide Number Placeholder 4">
             <a:extLst>
               <a:ext uri="{FF2B5EF4-FFF2-40B4-BE49-F238E27FC236}">
-                <a16:creationId xmlns="" xmlns:a16="http://schemas.microsoft.com/office/drawing/2014/main" id="{75F57A4B-880D-996D-A7D4-018BCB26000B}"/>
+                <a16:creationId xmlns:a16="http://schemas.microsoft.com/office/drawing/2014/main" id="{75F57A4B-880D-996D-A7D4-018BCB26000B}"/>
               </a:ext>
             </a:extLst>
           </p:cNvPr>
@@ -2946,7 +3030,7 @@
           <p:cNvPr id="2" name="Date Placeholder 1">
             <a:extLst>
               <a:ext uri="{FF2B5EF4-FFF2-40B4-BE49-F238E27FC236}">
-                <a16:creationId xmlns="" xmlns:a16="http://schemas.microsoft.com/office/drawing/2014/main" id="{56C88D5A-67FF-5F82-37E8-ED79D5E9EEB7}"/>
+                <a16:creationId xmlns:a16="http://schemas.microsoft.com/office/drawing/2014/main" id="{56C88D5A-67FF-5F82-37E8-ED79D5E9EEB7}"/>
               </a:ext>
             </a:extLst>
           </p:cNvPr>
@@ -2964,7 +3048,7 @@
           <a:p>
             <a:fld id="{18DC9284-3259-4668-9DB1-17E5134515F4}" type="datetimeFigureOut">
               <a:rPr lang="en-AU" smtClean="0"/>
-              <a:t>6/05/2023</a:t>
+              <a:t>13/05/2023</a:t>
             </a:fld>
             <a:endParaRPr lang="en-AU"/>
           </a:p>
@@ -2975,7 +3059,7 @@
           <p:cNvPr id="3" name="Footer Placeholder 2">
             <a:extLst>
               <a:ext uri="{FF2B5EF4-FFF2-40B4-BE49-F238E27FC236}">
-                <a16:creationId xmlns="" xmlns:a16="http://schemas.microsoft.com/office/drawing/2014/main" id="{92153241-F266-85BA-5862-D6C8FF976072}"/>
+                <a16:creationId xmlns:a16="http://schemas.microsoft.com/office/drawing/2014/main" id="{92153241-F266-85BA-5862-D6C8FF976072}"/>
               </a:ext>
             </a:extLst>
           </p:cNvPr>
@@ -3000,7 +3084,7 @@
           <p:cNvPr id="4" name="Slide Number Placeholder 3">
             <a:extLst>
               <a:ext uri="{FF2B5EF4-FFF2-40B4-BE49-F238E27FC236}">
-                <a16:creationId xmlns="" xmlns:a16="http://schemas.microsoft.com/office/drawing/2014/main" id="{F399EF9B-96A2-6364-D9C1-47481F8BF563}"/>
+                <a16:creationId xmlns:a16="http://schemas.microsoft.com/office/drawing/2014/main" id="{F399EF9B-96A2-6364-D9C1-47481F8BF563}"/>
               </a:ext>
             </a:extLst>
           </p:cNvPr>
@@ -3059,7 +3143,7 @@
           <p:cNvPr id="2" name="Title 1">
             <a:extLst>
               <a:ext uri="{FF2B5EF4-FFF2-40B4-BE49-F238E27FC236}">
-                <a16:creationId xmlns="" xmlns:a16="http://schemas.microsoft.com/office/drawing/2014/main" id="{8C737AB2-40AE-3933-35FE-C72C4D65ADA3}"/>
+                <a16:creationId xmlns:a16="http://schemas.microsoft.com/office/drawing/2014/main" id="{8C737AB2-40AE-3933-35FE-C72C4D65ADA3}"/>
               </a:ext>
             </a:extLst>
           </p:cNvPr>
@@ -3097,7 +3181,7 @@
           <p:cNvPr id="3" name="Content Placeholder 2">
             <a:extLst>
               <a:ext uri="{FF2B5EF4-FFF2-40B4-BE49-F238E27FC236}">
-                <a16:creationId xmlns="" xmlns:a16="http://schemas.microsoft.com/office/drawing/2014/main" id="{903C0CEC-5F0D-6B3B-8DBD-694D6C8C8FD1}"/>
+                <a16:creationId xmlns:a16="http://schemas.microsoft.com/office/drawing/2014/main" id="{903C0CEC-5F0D-6B3B-8DBD-694D6C8C8FD1}"/>
               </a:ext>
             </a:extLst>
           </p:cNvPr>
@@ -3188,7 +3272,7 @@
           <p:cNvPr id="4" name="Text Placeholder 3">
             <a:extLst>
               <a:ext uri="{FF2B5EF4-FFF2-40B4-BE49-F238E27FC236}">
-                <a16:creationId xmlns="" xmlns:a16="http://schemas.microsoft.com/office/drawing/2014/main" id="{232EC90E-FFE3-CB23-0085-D0515BDE16AD}"/>
+                <a16:creationId xmlns:a16="http://schemas.microsoft.com/office/drawing/2014/main" id="{232EC90E-FFE3-CB23-0085-D0515BDE16AD}"/>
               </a:ext>
             </a:extLst>
           </p:cNvPr>
@@ -3259,7 +3343,7 @@
           <p:cNvPr id="5" name="Date Placeholder 4">
             <a:extLst>
               <a:ext uri="{FF2B5EF4-FFF2-40B4-BE49-F238E27FC236}">
-                <a16:creationId xmlns="" xmlns:a16="http://schemas.microsoft.com/office/drawing/2014/main" id="{C9A338C1-ADE5-A55A-450D-9AB607DC5678}"/>
+                <a16:creationId xmlns:a16="http://schemas.microsoft.com/office/drawing/2014/main" id="{C9A338C1-ADE5-A55A-450D-9AB607DC5678}"/>
               </a:ext>
             </a:extLst>
           </p:cNvPr>
@@ -3277,7 +3361,7 @@
           <a:p>
             <a:fld id="{18DC9284-3259-4668-9DB1-17E5134515F4}" type="datetimeFigureOut">
               <a:rPr lang="en-AU" smtClean="0"/>
-              <a:t>6/05/2023</a:t>
+              <a:t>13/05/2023</a:t>
             </a:fld>
             <a:endParaRPr lang="en-AU"/>
           </a:p>
@@ -3288,7 +3372,7 @@
           <p:cNvPr id="6" name="Footer Placeholder 5">
             <a:extLst>
               <a:ext uri="{FF2B5EF4-FFF2-40B4-BE49-F238E27FC236}">
-                <a16:creationId xmlns="" xmlns:a16="http://schemas.microsoft.com/office/drawing/2014/main" id="{77605012-5B01-1ECB-AF94-A798C09654CD}"/>
+                <a16:creationId xmlns:a16="http://schemas.microsoft.com/office/drawing/2014/main" id="{77605012-5B01-1ECB-AF94-A798C09654CD}"/>
               </a:ext>
             </a:extLst>
           </p:cNvPr>
@@ -3313,7 +3397,7 @@
           <p:cNvPr id="7" name="Slide Number Placeholder 6">
             <a:extLst>
               <a:ext uri="{FF2B5EF4-FFF2-40B4-BE49-F238E27FC236}">
-                <a16:creationId xmlns="" xmlns:a16="http://schemas.microsoft.com/office/drawing/2014/main" id="{35C8BF26-8F6F-F492-3002-EA05E2F0A0C9}"/>
+                <a16:creationId xmlns:a16="http://schemas.microsoft.com/office/drawing/2014/main" id="{35C8BF26-8F6F-F492-3002-EA05E2F0A0C9}"/>
               </a:ext>
             </a:extLst>
           </p:cNvPr>
@@ -3372,7 +3456,7 @@
           <p:cNvPr id="2" name="Title 1">
             <a:extLst>
               <a:ext uri="{FF2B5EF4-FFF2-40B4-BE49-F238E27FC236}">
-                <a16:creationId xmlns="" xmlns:a16="http://schemas.microsoft.com/office/drawing/2014/main" id="{F39580DB-D3BF-B66B-A883-396C17116019}"/>
+                <a16:creationId xmlns:a16="http://schemas.microsoft.com/office/drawing/2014/main" id="{F39580DB-D3BF-B66B-A883-396C17116019}"/>
               </a:ext>
             </a:extLst>
           </p:cNvPr>
@@ -3410,7 +3494,7 @@
           <p:cNvPr id="3" name="Picture Placeholder 2">
             <a:extLst>
               <a:ext uri="{FF2B5EF4-FFF2-40B4-BE49-F238E27FC236}">
-                <a16:creationId xmlns="" xmlns:a16="http://schemas.microsoft.com/office/drawing/2014/main" id="{96D1B906-F3CA-4009-3ED6-82110F725E89}"/>
+                <a16:creationId xmlns:a16="http://schemas.microsoft.com/office/drawing/2014/main" id="{96D1B906-F3CA-4009-3ED6-82110F725E89}"/>
               </a:ext>
             </a:extLst>
           </p:cNvPr>
@@ -3477,7 +3561,7 @@
           <p:cNvPr id="4" name="Text Placeholder 3">
             <a:extLst>
               <a:ext uri="{FF2B5EF4-FFF2-40B4-BE49-F238E27FC236}">
-                <a16:creationId xmlns="" xmlns:a16="http://schemas.microsoft.com/office/drawing/2014/main" id="{8DF530CB-7E28-2AF7-D53D-6188D0331356}"/>
+                <a16:creationId xmlns:a16="http://schemas.microsoft.com/office/drawing/2014/main" id="{8DF530CB-7E28-2AF7-D53D-6188D0331356}"/>
               </a:ext>
             </a:extLst>
           </p:cNvPr>
@@ -3548,7 +3632,7 @@
           <p:cNvPr id="5" name="Date Placeholder 4">
             <a:extLst>
               <a:ext uri="{FF2B5EF4-FFF2-40B4-BE49-F238E27FC236}">
-                <a16:creationId xmlns="" xmlns:a16="http://schemas.microsoft.com/office/drawing/2014/main" id="{89EAE976-BE89-2C2F-26F5-0155F9923604}"/>
+                <a16:creationId xmlns:a16="http://schemas.microsoft.com/office/drawing/2014/main" id="{89EAE976-BE89-2C2F-26F5-0155F9923604}"/>
               </a:ext>
             </a:extLst>
           </p:cNvPr>
@@ -3566,7 +3650,7 @@
           <a:p>
             <a:fld id="{18DC9284-3259-4668-9DB1-17E5134515F4}" type="datetimeFigureOut">
               <a:rPr lang="en-AU" smtClean="0"/>
-              <a:t>6/05/2023</a:t>
+              <a:t>13/05/2023</a:t>
             </a:fld>
             <a:endParaRPr lang="en-AU"/>
           </a:p>
@@ -3577,7 +3661,7 @@
           <p:cNvPr id="6" name="Footer Placeholder 5">
             <a:extLst>
               <a:ext uri="{FF2B5EF4-FFF2-40B4-BE49-F238E27FC236}">
-                <a16:creationId xmlns="" xmlns:a16="http://schemas.microsoft.com/office/drawing/2014/main" id="{C4270E5A-9B74-EB3B-72AA-0BEC8854643F}"/>
+                <a16:creationId xmlns:a16="http://schemas.microsoft.com/office/drawing/2014/main" id="{C4270E5A-9B74-EB3B-72AA-0BEC8854643F}"/>
               </a:ext>
             </a:extLst>
           </p:cNvPr>
@@ -3602,7 +3686,7 @@
           <p:cNvPr id="7" name="Slide Number Placeholder 6">
             <a:extLst>
               <a:ext uri="{FF2B5EF4-FFF2-40B4-BE49-F238E27FC236}">
-                <a16:creationId xmlns="" xmlns:a16="http://schemas.microsoft.com/office/drawing/2014/main" id="{F9DB4C09-383A-E14C-DD58-4E4CB470EA7F}"/>
+                <a16:creationId xmlns:a16="http://schemas.microsoft.com/office/drawing/2014/main" id="{F9DB4C09-383A-E14C-DD58-4E4CB470EA7F}"/>
               </a:ext>
             </a:extLst>
           </p:cNvPr>
@@ -3666,7 +3750,7 @@
           <p:cNvPr id="2" name="Title Placeholder 1">
             <a:extLst>
               <a:ext uri="{FF2B5EF4-FFF2-40B4-BE49-F238E27FC236}">
-                <a16:creationId xmlns="" xmlns:a16="http://schemas.microsoft.com/office/drawing/2014/main" id="{60F91C73-3C71-DCD3-94A6-7DC2363FC967}"/>
+                <a16:creationId xmlns:a16="http://schemas.microsoft.com/office/drawing/2014/main" id="{60F91C73-3C71-DCD3-94A6-7DC2363FC967}"/>
               </a:ext>
             </a:extLst>
           </p:cNvPr>
@@ -3705,7 +3789,7 @@
           <p:cNvPr id="3" name="Text Placeholder 2">
             <a:extLst>
               <a:ext uri="{FF2B5EF4-FFF2-40B4-BE49-F238E27FC236}">
-                <a16:creationId xmlns="" xmlns:a16="http://schemas.microsoft.com/office/drawing/2014/main" id="{F420170C-A0AF-877B-FBBA-EC78855DA025}"/>
+                <a16:creationId xmlns:a16="http://schemas.microsoft.com/office/drawing/2014/main" id="{F420170C-A0AF-877B-FBBA-EC78855DA025}"/>
               </a:ext>
             </a:extLst>
           </p:cNvPr>
@@ -3773,7 +3857,7 @@
           <p:cNvPr id="4" name="Date Placeholder 3">
             <a:extLst>
               <a:ext uri="{FF2B5EF4-FFF2-40B4-BE49-F238E27FC236}">
-                <a16:creationId xmlns="" xmlns:a16="http://schemas.microsoft.com/office/drawing/2014/main" id="{F4A3AEC7-F8F3-A99C-7569-003360212AE2}"/>
+                <a16:creationId xmlns:a16="http://schemas.microsoft.com/office/drawing/2014/main" id="{F4A3AEC7-F8F3-A99C-7569-003360212AE2}"/>
               </a:ext>
             </a:extLst>
           </p:cNvPr>
@@ -3809,7 +3893,7 @@
           <a:p>
             <a:fld id="{18DC9284-3259-4668-9DB1-17E5134515F4}" type="datetimeFigureOut">
               <a:rPr lang="en-AU" smtClean="0"/>
-              <a:t>6/05/2023</a:t>
+              <a:t>13/05/2023</a:t>
             </a:fld>
             <a:endParaRPr lang="en-AU"/>
           </a:p>
@@ -3820,7 +3904,7 @@
           <p:cNvPr id="5" name="Footer Placeholder 4">
             <a:extLst>
               <a:ext uri="{FF2B5EF4-FFF2-40B4-BE49-F238E27FC236}">
-                <a16:creationId xmlns="" xmlns:a16="http://schemas.microsoft.com/office/drawing/2014/main" id="{CCD6B027-7493-68B8-9D28-9FD06B569360}"/>
+                <a16:creationId xmlns:a16="http://schemas.microsoft.com/office/drawing/2014/main" id="{CCD6B027-7493-68B8-9D28-9FD06B569360}"/>
               </a:ext>
             </a:extLst>
           </p:cNvPr>
@@ -3863,7 +3947,7 @@
           <p:cNvPr id="6" name="Slide Number Placeholder 5">
             <a:extLst>
               <a:ext uri="{FF2B5EF4-FFF2-40B4-BE49-F238E27FC236}">
-                <a16:creationId xmlns="" xmlns:a16="http://schemas.microsoft.com/office/drawing/2014/main" id="{9A816251-5923-6154-DB7A-093D039AF459}"/>
+                <a16:creationId xmlns:a16="http://schemas.microsoft.com/office/drawing/2014/main" id="{9A816251-5923-6154-DB7A-093D039AF459}"/>
               </a:ext>
             </a:extLst>
           </p:cNvPr>
@@ -4239,7 +4323,7 @@
           <p:cNvPr id="2" name="Title 1">
             <a:extLst>
               <a:ext uri="{FF2B5EF4-FFF2-40B4-BE49-F238E27FC236}">
-                <a16:creationId xmlns="" xmlns:a16="http://schemas.microsoft.com/office/drawing/2014/main" id="{99CBE434-CE56-4760-1107-A63B145BF8A2}"/>
+                <a16:creationId xmlns:a16="http://schemas.microsoft.com/office/drawing/2014/main" id="{99CBE434-CE56-4760-1107-A63B145BF8A2}"/>
               </a:ext>
             </a:extLst>
           </p:cNvPr>
@@ -4495,7 +4579,7 @@
           <p:cNvPr id="5" name="Picture 4">
             <a:extLst>
               <a:ext uri="{FF2B5EF4-FFF2-40B4-BE49-F238E27FC236}">
-                <a16:creationId xmlns="" xmlns:a16="http://schemas.microsoft.com/office/drawing/2014/main" id="{46184286-4F45-6295-F8CD-2CB4351D5383}"/>
+                <a16:creationId xmlns:a16="http://schemas.microsoft.com/office/drawing/2014/main" id="{46184286-4F45-6295-F8CD-2CB4351D5383}"/>
               </a:ext>
             </a:extLst>
           </p:cNvPr>
@@ -4525,7 +4609,7 @@
           <p:cNvPr id="7" name="Picture 6">
             <a:extLst>
               <a:ext uri="{FF2B5EF4-FFF2-40B4-BE49-F238E27FC236}">
-                <a16:creationId xmlns="" xmlns:a16="http://schemas.microsoft.com/office/drawing/2014/main" id="{87C63C93-A744-4762-F43A-F6B28F07792B}"/>
+                <a16:creationId xmlns:a16="http://schemas.microsoft.com/office/drawing/2014/main" id="{87C63C93-A744-4762-F43A-F6B28F07792B}"/>
               </a:ext>
             </a:extLst>
           </p:cNvPr>
@@ -4707,7 +4791,7 @@
           <p:cNvPr id="2" name="Title 1">
             <a:extLst>
               <a:ext uri="{FF2B5EF4-FFF2-40B4-BE49-F238E27FC236}">
-                <a16:creationId xmlns="" xmlns:a16="http://schemas.microsoft.com/office/drawing/2014/main" id="{7A2F4B33-9C28-8993-FC73-08BBFBD92E7A}"/>
+                <a16:creationId xmlns:a16="http://schemas.microsoft.com/office/drawing/2014/main" id="{7A2F4B33-9C28-8993-FC73-08BBFBD92E7A}"/>
               </a:ext>
             </a:extLst>
           </p:cNvPr>
@@ -4737,7 +4821,7 @@
           <p:cNvPr id="3" name="Content Placeholder 2">
             <a:extLst>
               <a:ext uri="{FF2B5EF4-FFF2-40B4-BE49-F238E27FC236}">
-                <a16:creationId xmlns="" xmlns:a16="http://schemas.microsoft.com/office/drawing/2014/main" id="{38223B9E-609A-8004-3072-A4221A9E664E}"/>
+                <a16:creationId xmlns:a16="http://schemas.microsoft.com/office/drawing/2014/main" id="{38223B9E-609A-8004-3072-A4221A9E664E}"/>
               </a:ext>
             </a:extLst>
           </p:cNvPr>
@@ -4762,15 +4846,7 @@
             <a:pPr lvl="1"/>
             <a:r>
               <a:rPr lang="en-US" dirty="0"/>
-              <a:t>Reinforcement </a:t>
-            </a:r>
-            <a:r>
-              <a:rPr lang="en-US" dirty="0" smtClean="0"/>
-              <a:t>Learning </a:t>
-            </a:r>
-            <a:r>
-              <a:rPr lang="en-US" dirty="0"/>
-              <a:t>from human feedback</a:t>
+              <a:t>Reinforcement Learning from human feedback</a:t>
             </a:r>
             <a:endParaRPr lang="en-AU" dirty="0"/>
           </a:p>
@@ -4820,7 +4896,7 @@
           <p:cNvPr id="2" name="Title 1">
             <a:extLst>
               <a:ext uri="{FF2B5EF4-FFF2-40B4-BE49-F238E27FC236}">
-                <a16:creationId xmlns="" xmlns:a16="http://schemas.microsoft.com/office/drawing/2014/main" id="{ED3F65C7-83F9-55FB-B6B3-426B4EA4C2E2}"/>
+                <a16:creationId xmlns:a16="http://schemas.microsoft.com/office/drawing/2014/main" id="{ED3F65C7-83F9-55FB-B6B3-426B4EA4C2E2}"/>
               </a:ext>
             </a:extLst>
           </p:cNvPr>
@@ -4848,7 +4924,7 @@
           <p:cNvPr id="5" name="Picture 4">
             <a:extLst>
               <a:ext uri="{FF2B5EF4-FFF2-40B4-BE49-F238E27FC236}">
-                <a16:creationId xmlns="" xmlns:a16="http://schemas.microsoft.com/office/drawing/2014/main" id="{27FF2DA2-8902-D14D-2734-8FC822C94065}"/>
+                <a16:creationId xmlns:a16="http://schemas.microsoft.com/office/drawing/2014/main" id="{27FF2DA2-8902-D14D-2734-8FC822C94065}"/>
               </a:ext>
             </a:extLst>
           </p:cNvPr>
@@ -4878,7 +4954,7 @@
           <p:cNvPr id="7" name="TextBox 6">
             <a:extLst>
               <a:ext uri="{FF2B5EF4-FFF2-40B4-BE49-F238E27FC236}">
-                <a16:creationId xmlns="" xmlns:a16="http://schemas.microsoft.com/office/drawing/2014/main" id="{960D71B8-3C48-E7E2-9B35-6B070A94A062}"/>
+                <a16:creationId xmlns:a16="http://schemas.microsoft.com/office/drawing/2014/main" id="{960D71B8-3C48-E7E2-9B35-6B070A94A062}"/>
               </a:ext>
             </a:extLst>
           </p:cNvPr>
@@ -4947,7 +5023,7 @@
           <p:cNvPr id="2" name="Title 1">
             <a:extLst>
               <a:ext uri="{FF2B5EF4-FFF2-40B4-BE49-F238E27FC236}">
-                <a16:creationId xmlns="" xmlns:a16="http://schemas.microsoft.com/office/drawing/2014/main" id="{5587B356-9624-620E-0788-21F36F8E54F4}"/>
+                <a16:creationId xmlns:a16="http://schemas.microsoft.com/office/drawing/2014/main" id="{5587B356-9624-620E-0788-21F36F8E54F4}"/>
               </a:ext>
             </a:extLst>
           </p:cNvPr>
@@ -4975,7 +5051,7 @@
           <p:cNvPr id="3" name="Content Placeholder 2">
             <a:extLst>
               <a:ext uri="{FF2B5EF4-FFF2-40B4-BE49-F238E27FC236}">
-                <a16:creationId xmlns="" xmlns:a16="http://schemas.microsoft.com/office/drawing/2014/main" id="{CA23BE6F-8EF2-8067-65C4-1D53B09CAC2F}"/>
+                <a16:creationId xmlns:a16="http://schemas.microsoft.com/office/drawing/2014/main" id="{CA23BE6F-8EF2-8067-65C4-1D53B09CAC2F}"/>
               </a:ext>
             </a:extLst>
           </p:cNvPr>
@@ -5092,10 +5168,18 @@
               <a:t>, </a:t>
             </a:r>
             <a:r>
-              <a:rPr lang="en-AU" sz="2200" dirty="0" err="1"/>
+              <a:rPr lang="en-AU" sz="2200" dirty="0" err="1">
+                <a:highlight>
+                  <a:srgbClr val="FFFF00"/>
+                </a:highlight>
+              </a:rPr>
               <a:t>TensorFlow</a:t>
             </a:r>
-            <a:endParaRPr lang="en-AU" sz="2200" dirty="0"/>
+            <a:endParaRPr lang="en-AU" sz="2200" dirty="0">
+              <a:highlight>
+                <a:srgbClr val="FFFF00"/>
+              </a:highlight>
+            </a:endParaRPr>
           </a:p>
           <a:p>
             <a:r>
@@ -5170,7 +5254,19 @@
             </a:r>
             <a:r>
               <a:rPr lang="en-AU" sz="2200" dirty="0"/>
-              <a:t>, Amazon, </a:t>
+              <a:t>, </a:t>
+            </a:r>
+            <a:r>
+              <a:rPr lang="en-AU" sz="2200" dirty="0">
+                <a:highlight>
+                  <a:srgbClr val="FFFF00"/>
+                </a:highlight>
+              </a:rPr>
+              <a:t>Amazon</a:t>
+            </a:r>
+            <a:r>
+              <a:rPr lang="en-AU" sz="2200" dirty="0"/>
+              <a:t>, </a:t>
             </a:r>
             <a:r>
               <a:rPr lang="en-AU" sz="2200" dirty="0">
@@ -5231,8 +5327,32 @@
               <a:t>ChatGPT</a:t>
             </a:r>
             <a:r>
+              <a:rPr lang="en-AU" sz="2200" dirty="0">
+                <a:highlight>
+                  <a:srgbClr val="FFFF00"/>
+                </a:highlight>
+              </a:rPr>
+              <a:t>, Microsoft </a:t>
+            </a:r>
+            <a:r>
+              <a:rPr lang="en-AU" sz="2200" dirty="0" err="1">
+                <a:highlight>
+                  <a:srgbClr val="FFFF00"/>
+                </a:highlight>
+              </a:rPr>
+              <a:t>OpenAI</a:t>
+            </a:r>
+            <a:r>
               <a:rPr lang="en-AU" sz="2200" dirty="0"/>
-              <a:t>, Facebook Llama, Google Bard, Baidu Ernie</a:t>
+              <a:t>, Facebook Llama, Google Bard, Baidu Ernie, </a:t>
+            </a:r>
+            <a:r>
+              <a:rPr lang="en-AU" sz="2200" dirty="0" err="1"/>
+              <a:t>Anthropic’s</a:t>
+            </a:r>
+            <a:r>
+              <a:rPr lang="en-AU" sz="2200" dirty="0"/>
+              <a:t> Claude</a:t>
             </a:r>
           </a:p>
         </p:txBody>
@@ -5272,7 +5392,7 @@
           <p:cNvPr id="2" name="Title 1">
             <a:extLst>
               <a:ext uri="{FF2B5EF4-FFF2-40B4-BE49-F238E27FC236}">
-                <a16:creationId xmlns="" xmlns:a16="http://schemas.microsoft.com/office/drawing/2014/main" id="{C53DBA8C-A02E-C653-5813-CE1B4E6874D3}"/>
+                <a16:creationId xmlns:a16="http://schemas.microsoft.com/office/drawing/2014/main" id="{C53DBA8C-A02E-C653-5813-CE1B4E6874D3}"/>
               </a:ext>
             </a:extLst>
           </p:cNvPr>
@@ -5300,7 +5420,7 @@
           <p:cNvPr id="5" name="Content Placeholder 4">
             <a:extLst>
               <a:ext uri="{FF2B5EF4-FFF2-40B4-BE49-F238E27FC236}">
-                <a16:creationId xmlns="" xmlns:a16="http://schemas.microsoft.com/office/drawing/2014/main" id="{F1388553-81A2-8E40-CA79-10EB35881319}"/>
+                <a16:creationId xmlns:a16="http://schemas.microsoft.com/office/drawing/2014/main" id="{F1388553-81A2-8E40-CA79-10EB35881319}"/>
               </a:ext>
             </a:extLst>
           </p:cNvPr>
@@ -5604,7 +5724,7 @@
           <p:cNvPr id="2" name="Title 1">
             <a:extLst>
               <a:ext uri="{FF2B5EF4-FFF2-40B4-BE49-F238E27FC236}">
-                <a16:creationId xmlns="" xmlns:a16="http://schemas.microsoft.com/office/drawing/2014/main" id="{94DC3DC3-34FD-3C39-EFE4-DB1B74B7BCB3}"/>
+                <a16:creationId xmlns:a16="http://schemas.microsoft.com/office/drawing/2014/main" id="{94DC3DC3-34FD-3C39-EFE4-DB1B74B7BCB3}"/>
               </a:ext>
             </a:extLst>
           </p:cNvPr>
@@ -5794,7 +5914,7 @@
           <p:cNvPr id="2" name="Title 1">
             <a:extLst>
               <a:ext uri="{FF2B5EF4-FFF2-40B4-BE49-F238E27FC236}">
-                <a16:creationId xmlns="" xmlns:a16="http://schemas.microsoft.com/office/drawing/2014/main" id="{BA0F3D42-5A10-A531-1FFA-3D4853CB52E7}"/>
+                <a16:creationId xmlns:a16="http://schemas.microsoft.com/office/drawing/2014/main" id="{BA0F3D42-5A10-A531-1FFA-3D4853CB52E7}"/>
               </a:ext>
             </a:extLst>
           </p:cNvPr>
@@ -6007,7 +6127,7 @@
           <p:cNvPr id="2" name="Title 1">
             <a:extLst>
               <a:ext uri="{FF2B5EF4-FFF2-40B4-BE49-F238E27FC236}">
-                <a16:creationId xmlns="" xmlns:a16="http://schemas.microsoft.com/office/drawing/2014/main" id="{3F2AF0C1-5CA1-236D-12D3-9F761789AC9F}"/>
+                <a16:creationId xmlns:a16="http://schemas.microsoft.com/office/drawing/2014/main" id="{3F2AF0C1-5CA1-236D-12D3-9F761789AC9F}"/>
               </a:ext>
             </a:extLst>
           </p:cNvPr>
@@ -6040,7 +6160,7 @@
           <p:cNvPr id="3" name="Content Placeholder 2">
             <a:extLst>
               <a:ext uri="{FF2B5EF4-FFF2-40B4-BE49-F238E27FC236}">
-                <a16:creationId xmlns="" xmlns:a16="http://schemas.microsoft.com/office/drawing/2014/main" id="{36D6E458-9442-1F9C-4F8F-3516B32C9CEB}"/>
+                <a16:creationId xmlns:a16="http://schemas.microsoft.com/office/drawing/2014/main" id="{36D6E458-9442-1F9C-4F8F-3516B32C9CEB}"/>
               </a:ext>
             </a:extLst>
           </p:cNvPr>
@@ -6065,7 +6185,7 @@
           <p:cNvPr id="5" name="Picture 4">
             <a:extLst>
               <a:ext uri="{FF2B5EF4-FFF2-40B4-BE49-F238E27FC236}">
-                <a16:creationId xmlns="" xmlns:a16="http://schemas.microsoft.com/office/drawing/2014/main" id="{967D14D8-9E7A-4126-0B55-402580D4745B}"/>
+                <a16:creationId xmlns:a16="http://schemas.microsoft.com/office/drawing/2014/main" id="{967D14D8-9E7A-4126-0B55-402580D4745B}"/>
               </a:ext>
             </a:extLst>
           </p:cNvPr>
@@ -6095,7 +6215,7 @@
           <p:cNvPr id="9" name="Picture 8">
             <a:extLst>
               <a:ext uri="{FF2B5EF4-FFF2-40B4-BE49-F238E27FC236}">
-                <a16:creationId xmlns="" xmlns:a16="http://schemas.microsoft.com/office/drawing/2014/main" id="{A2F22C87-21DE-CFC0-4F64-D846163276A1}"/>
+                <a16:creationId xmlns:a16="http://schemas.microsoft.com/office/drawing/2014/main" id="{A2F22C87-21DE-CFC0-4F64-D846163276A1}"/>
               </a:ext>
             </a:extLst>
           </p:cNvPr>
@@ -6155,7 +6275,7 @@
           <p:cNvPr id="2" name="Title 1">
             <a:extLst>
               <a:ext uri="{FF2B5EF4-FFF2-40B4-BE49-F238E27FC236}">
-                <a16:creationId xmlns="" xmlns:a16="http://schemas.microsoft.com/office/drawing/2014/main" id="{938FE36A-24CC-156D-45A6-0790B6CA4729}"/>
+                <a16:creationId xmlns:a16="http://schemas.microsoft.com/office/drawing/2014/main" id="{938FE36A-24CC-156D-45A6-0790B6CA4729}"/>
               </a:ext>
             </a:extLst>
           </p:cNvPr>
@@ -6191,7 +6311,7 @@
           <p:cNvPr id="3" name="Content Placeholder 2">
             <a:extLst>
               <a:ext uri="{FF2B5EF4-FFF2-40B4-BE49-F238E27FC236}">
-                <a16:creationId xmlns="" xmlns:a16="http://schemas.microsoft.com/office/drawing/2014/main" id="{50585282-E2E6-3AA7-0BEF-9F822D9FC67F}"/>
+                <a16:creationId xmlns:a16="http://schemas.microsoft.com/office/drawing/2014/main" id="{50585282-E2E6-3AA7-0BEF-9F822D9FC67F}"/>
               </a:ext>
             </a:extLst>
           </p:cNvPr>
@@ -6216,7 +6336,7 @@
           <p:cNvPr id="5" name="Picture 4">
             <a:extLst>
               <a:ext uri="{FF2B5EF4-FFF2-40B4-BE49-F238E27FC236}">
-                <a16:creationId xmlns="" xmlns:a16="http://schemas.microsoft.com/office/drawing/2014/main" id="{621C7AAF-E408-9215-063F-A526D88C3B17}"/>
+                <a16:creationId xmlns:a16="http://schemas.microsoft.com/office/drawing/2014/main" id="{621C7AAF-E408-9215-063F-A526D88C3B17}"/>
               </a:ext>
             </a:extLst>
           </p:cNvPr>
@@ -6276,7 +6396,7 @@
           <p:cNvPr id="2" name="Title 1">
             <a:extLst>
               <a:ext uri="{FF2B5EF4-FFF2-40B4-BE49-F238E27FC236}">
-                <a16:creationId xmlns="" xmlns:a16="http://schemas.microsoft.com/office/drawing/2014/main" id="{D8730806-3510-B22D-E65E-0315F7A0CE5E}"/>
+                <a16:creationId xmlns:a16="http://schemas.microsoft.com/office/drawing/2014/main" id="{D8730806-3510-B22D-E65E-0315F7A0CE5E}"/>
               </a:ext>
             </a:extLst>
           </p:cNvPr>
@@ -6304,7 +6424,7 @@
           <p:cNvPr id="3" name="Content Placeholder 2">
             <a:extLst>
               <a:ext uri="{FF2B5EF4-FFF2-40B4-BE49-F238E27FC236}">
-                <a16:creationId xmlns="" xmlns:a16="http://schemas.microsoft.com/office/drawing/2014/main" id="{E346E305-E421-C28E-47FB-BA3C19B18B4A}"/>
+                <a16:creationId xmlns:a16="http://schemas.microsoft.com/office/drawing/2014/main" id="{E346E305-E421-C28E-47FB-BA3C19B18B4A}"/>
               </a:ext>
             </a:extLst>
           </p:cNvPr>
@@ -6329,7 +6449,7 @@
           <p:cNvPr id="5" name="Picture 4">
             <a:extLst>
               <a:ext uri="{FF2B5EF4-FFF2-40B4-BE49-F238E27FC236}">
-                <a16:creationId xmlns="" xmlns:a16="http://schemas.microsoft.com/office/drawing/2014/main" id="{E68F259D-6B93-8C11-516D-8AA450C95E0E}"/>
+                <a16:creationId xmlns:a16="http://schemas.microsoft.com/office/drawing/2014/main" id="{E68F259D-6B93-8C11-516D-8AA450C95E0E}"/>
               </a:ext>
             </a:extLst>
           </p:cNvPr>
@@ -6389,7 +6509,7 @@
           <p:cNvPr id="2" name="Title 1">
             <a:extLst>
               <a:ext uri="{FF2B5EF4-FFF2-40B4-BE49-F238E27FC236}">
-                <a16:creationId xmlns="" xmlns:a16="http://schemas.microsoft.com/office/drawing/2014/main" id="{EB4F72B9-DC51-E76F-7B18-D5B7E9EB7FBB}"/>
+                <a16:creationId xmlns:a16="http://schemas.microsoft.com/office/drawing/2014/main" id="{EB4F72B9-DC51-E76F-7B18-D5B7E9EB7FBB}"/>
               </a:ext>
             </a:extLst>
           </p:cNvPr>
@@ -6419,7 +6539,7 @@
           <p:cNvPr id="3" name="Content Placeholder 2">
             <a:extLst>
               <a:ext uri="{FF2B5EF4-FFF2-40B4-BE49-F238E27FC236}">
-                <a16:creationId xmlns="" xmlns:a16="http://schemas.microsoft.com/office/drawing/2014/main" id="{D3F9867B-220B-5789-882A-0308CA20A0AA}"/>
+                <a16:creationId xmlns:a16="http://schemas.microsoft.com/office/drawing/2014/main" id="{D3F9867B-220B-5789-882A-0308CA20A0AA}"/>
               </a:ext>
             </a:extLst>
           </p:cNvPr>
@@ -6542,7 +6662,7 @@
           <p:cNvPr id="2" name="Title 1">
             <a:extLst>
               <a:ext uri="{FF2B5EF4-FFF2-40B4-BE49-F238E27FC236}">
-                <a16:creationId xmlns="" xmlns:a16="http://schemas.microsoft.com/office/drawing/2014/main" id="{8A59DC49-D6B8-BF48-E646-9E55A26C1B19}"/>
+                <a16:creationId xmlns:a16="http://schemas.microsoft.com/office/drawing/2014/main" id="{8A59DC49-D6B8-BF48-E646-9E55A26C1B19}"/>
               </a:ext>
             </a:extLst>
           </p:cNvPr>
@@ -6572,7 +6692,7 @@
           <p:cNvPr id="5" name="Content Placeholder 4">
             <a:extLst>
               <a:ext uri="{FF2B5EF4-FFF2-40B4-BE49-F238E27FC236}">
-                <a16:creationId xmlns="" xmlns:a16="http://schemas.microsoft.com/office/drawing/2014/main" id="{C9708A98-34A9-5B32-AFA6-BDCE15B78C1F}"/>
+                <a16:creationId xmlns:a16="http://schemas.microsoft.com/office/drawing/2014/main" id="{C9708A98-34A9-5B32-AFA6-BDCE15B78C1F}"/>
               </a:ext>
             </a:extLst>
           </p:cNvPr>
@@ -6814,7 +6934,7 @@
           <p:cNvPr id="2" name="Title 1">
             <a:extLst>
               <a:ext uri="{FF2B5EF4-FFF2-40B4-BE49-F238E27FC236}">
-                <a16:creationId xmlns="" xmlns:a16="http://schemas.microsoft.com/office/drawing/2014/main" id="{3E0FC1B0-D8DD-8FA2-781C-1870653F2D69}"/>
+                <a16:creationId xmlns:a16="http://schemas.microsoft.com/office/drawing/2014/main" id="{3E0FC1B0-D8DD-8FA2-781C-1870653F2D69}"/>
               </a:ext>
             </a:extLst>
           </p:cNvPr>
@@ -6850,7 +6970,7 @@
           <p:cNvPr id="3" name="Content Placeholder 2">
             <a:extLst>
               <a:ext uri="{FF2B5EF4-FFF2-40B4-BE49-F238E27FC236}">
-                <a16:creationId xmlns="" xmlns:a16="http://schemas.microsoft.com/office/drawing/2014/main" id="{D56B1830-33E2-EE26-D7A6-6659A96E2032}"/>
+                <a16:creationId xmlns:a16="http://schemas.microsoft.com/office/drawing/2014/main" id="{D56B1830-33E2-EE26-D7A6-6659A96E2032}"/>
               </a:ext>
             </a:extLst>
           </p:cNvPr>
@@ -6932,7 +7052,7 @@
           <p:cNvPr id="2" name="Title 1">
             <a:extLst>
               <a:ext uri="{FF2B5EF4-FFF2-40B4-BE49-F238E27FC236}">
-                <a16:creationId xmlns="" xmlns:a16="http://schemas.microsoft.com/office/drawing/2014/main" id="{DA55C06E-A7D1-DAD3-309D-16BE1A935A95}"/>
+                <a16:creationId xmlns:a16="http://schemas.microsoft.com/office/drawing/2014/main" id="{DA55C06E-A7D1-DAD3-309D-16BE1A935A95}"/>
               </a:ext>
             </a:extLst>
           </p:cNvPr>
@@ -6960,7 +7080,7 @@
           <p:cNvPr id="3" name="Content Placeholder 2">
             <a:extLst>
               <a:ext uri="{FF2B5EF4-FFF2-40B4-BE49-F238E27FC236}">
-                <a16:creationId xmlns="" xmlns:a16="http://schemas.microsoft.com/office/drawing/2014/main" id="{D4911585-F53D-E696-5C6C-A0F29FACB42A}"/>
+                <a16:creationId xmlns:a16="http://schemas.microsoft.com/office/drawing/2014/main" id="{D4911585-F53D-E696-5C6C-A0F29FACB42A}"/>
               </a:ext>
             </a:extLst>
           </p:cNvPr>
@@ -7084,7 +7204,7 @@
           <a:lstStyle/>
           <a:p>
             <a:r>
-              <a:rPr lang="en-AU" dirty="0" smtClean="0"/>
+              <a:rPr lang="en-AU" dirty="0"/>
               <a:t>Show example prompts</a:t>
             </a:r>
           </a:p>
@@ -7093,18 +7213,17 @@
           </a:p>
           <a:p>
             <a:r>
-              <a:rPr lang="en-AU" dirty="0" smtClean="0"/>
+              <a:rPr lang="en-AU" dirty="0"/>
               <a:t>Show </a:t>
             </a:r>
             <a:r>
-              <a:rPr lang="en-AU" dirty="0" err="1" smtClean="0"/>
+              <a:rPr lang="en-AU" dirty="0" err="1"/>
               <a:t>OpenAI</a:t>
             </a:r>
             <a:r>
-              <a:rPr lang="en-AU" dirty="0" smtClean="0"/>
+              <a:rPr lang="en-AU" dirty="0"/>
               <a:t> Playground and text to command</a:t>
             </a:r>
-            <a:endParaRPr lang="en-AU" dirty="0"/>
           </a:p>
         </p:txBody>
       </p:sp>
@@ -7180,18 +7299,17 @@
           <a:lstStyle/>
           <a:p>
             <a:r>
-              <a:rPr lang="en-AU" dirty="0" smtClean="0"/>
+              <a:rPr lang="en-AU" dirty="0"/>
               <a:t>Show </a:t>
             </a:r>
             <a:r>
-              <a:rPr lang="en-AU" dirty="0" err="1" smtClean="0"/>
+              <a:rPr lang="en-AU" dirty="0" err="1"/>
               <a:t>DelphiChatGPT</a:t>
             </a:r>
             <a:r>
-              <a:rPr lang="en-AU" dirty="0" smtClean="0"/>
+              <a:rPr lang="en-AU" dirty="0"/>
               <a:t> demo</a:t>
             </a:r>
-            <a:endParaRPr lang="en-AU" dirty="0"/>
           </a:p>
         </p:txBody>
       </p:sp>
@@ -7822,7 +7940,7 @@
           <p:cNvPr id="2" name="Title 1">
             <a:extLst>
               <a:ext uri="{FF2B5EF4-FFF2-40B4-BE49-F238E27FC236}">
-                <a16:creationId xmlns="" xmlns:a16="http://schemas.microsoft.com/office/drawing/2014/main" id="{1A029FD5-6334-49D0-4160-FD10462DCA4F}"/>
+                <a16:creationId xmlns:a16="http://schemas.microsoft.com/office/drawing/2014/main" id="{1A029FD5-6334-49D0-4160-FD10462DCA4F}"/>
               </a:ext>
             </a:extLst>
           </p:cNvPr>
@@ -7852,7 +7970,7 @@
           <p:cNvPr id="5" name="Picture 4">
             <a:extLst>
               <a:ext uri="{FF2B5EF4-FFF2-40B4-BE49-F238E27FC236}">
-                <a16:creationId xmlns="" xmlns:a16="http://schemas.microsoft.com/office/drawing/2014/main" id="{731FDD99-05C5-72B9-1530-3BF05150EB2A}"/>
+                <a16:creationId xmlns:a16="http://schemas.microsoft.com/office/drawing/2014/main" id="{731FDD99-05C5-72B9-1530-3BF05150EB2A}"/>
               </a:ext>
             </a:extLst>
           </p:cNvPr>
@@ -7912,7 +8030,7 @@
           <p:cNvPr id="2" name="Title 1">
             <a:extLst>
               <a:ext uri="{FF2B5EF4-FFF2-40B4-BE49-F238E27FC236}">
-                <a16:creationId xmlns="" xmlns:a16="http://schemas.microsoft.com/office/drawing/2014/main" id="{7482DB1F-0AC1-0136-67EA-0EC43C49E85A}"/>
+                <a16:creationId xmlns:a16="http://schemas.microsoft.com/office/drawing/2014/main" id="{7482DB1F-0AC1-0136-67EA-0EC43C49E85A}"/>
               </a:ext>
             </a:extLst>
           </p:cNvPr>
@@ -7940,7 +8058,7 @@
           <p:cNvPr id="3" name="Content Placeholder 2">
             <a:extLst>
               <a:ext uri="{FF2B5EF4-FFF2-40B4-BE49-F238E27FC236}">
-                <a16:creationId xmlns="" xmlns:a16="http://schemas.microsoft.com/office/drawing/2014/main" id="{6D1B4AB7-8991-DD79-E03A-AA4C6D7F04E0}"/>
+                <a16:creationId xmlns:a16="http://schemas.microsoft.com/office/drawing/2014/main" id="{6D1B4AB7-8991-DD79-E03A-AA4C6D7F04E0}"/>
               </a:ext>
             </a:extLst>
           </p:cNvPr>
@@ -8068,13 +8186,8 @@
           <a:p>
             <a:r>
               <a:rPr lang="en-AU" dirty="0"/>
-              <a:t>Avoid vendor lock-in where </a:t>
-            </a:r>
-            <a:r>
-              <a:rPr lang="en-AU" dirty="0" smtClean="0"/>
-              <a:t>possible by providing a generic interface for multiple providers</a:t>
-            </a:r>
-            <a:endParaRPr lang="en-AU" dirty="0"/>
+              <a:t>Avoid vendor lock-in where possible by providing a generic interface for multiple providers</a:t>
+            </a:r>
           </a:p>
           <a:p>
             <a:r>
@@ -8130,10 +8243,9 @@
           <a:lstStyle/>
           <a:p>
             <a:r>
-              <a:rPr lang="en-AU" dirty="0" smtClean="0"/>
+              <a:rPr lang="en-AU" dirty="0"/>
               <a:t>Demo programs</a:t>
             </a:r>
-            <a:endParaRPr lang="en-AU" dirty="0"/>
           </a:p>
         </p:txBody>
       </p:sp>
@@ -8153,22 +8265,21 @@
           <a:lstStyle/>
           <a:p>
             <a:r>
-              <a:rPr lang="en-AU" dirty="0" smtClean="0"/>
+              <a:rPr lang="en-AU" dirty="0"/>
               <a:t>Image Generator</a:t>
             </a:r>
           </a:p>
           <a:p>
             <a:r>
-              <a:rPr lang="en-AU" dirty="0" smtClean="0"/>
+              <a:rPr lang="en-AU" dirty="0"/>
               <a:t>Face Detection</a:t>
             </a:r>
           </a:p>
           <a:p>
             <a:r>
-              <a:rPr lang="en-AU" dirty="0" smtClean="0"/>
+              <a:rPr lang="en-AU" dirty="0"/>
               <a:t>Weather Demo</a:t>
             </a:r>
-            <a:endParaRPr lang="en-AU" dirty="0"/>
           </a:p>
         </p:txBody>
       </p:sp>
@@ -8218,10 +8329,9 @@
           <a:lstStyle/>
           <a:p>
             <a:r>
-              <a:rPr lang="en-AU" dirty="0" smtClean="0"/>
+              <a:rPr lang="en-AU" dirty="0"/>
               <a:t>Areas for further investigation</a:t>
             </a:r>
-            <a:endParaRPr lang="en-AU" dirty="0"/>
           </a:p>
         </p:txBody>
       </p:sp>
@@ -8241,58 +8351,50 @@
           <a:lstStyle/>
           <a:p>
             <a:r>
-              <a:rPr lang="en-AU" dirty="0" smtClean="0"/>
+              <a:rPr lang="en-AU" dirty="0"/>
               <a:t>Getting Whisper.cpp to work in Delphi</a:t>
             </a:r>
           </a:p>
           <a:p>
             <a:r>
-              <a:rPr lang="en-AU" dirty="0" smtClean="0"/>
+              <a:rPr lang="en-AU" dirty="0"/>
               <a:t>Getting Llama to work in Delphi</a:t>
             </a:r>
           </a:p>
           <a:p>
             <a:r>
-              <a:rPr lang="en-AU" dirty="0" smtClean="0"/>
+              <a:rPr lang="en-AU" dirty="0"/>
               <a:t>Using a vector database to store </a:t>
             </a:r>
             <a:r>
-              <a:rPr lang="en-AU" dirty="0" err="1" smtClean="0"/>
+              <a:rPr lang="en-AU" dirty="0" err="1"/>
               <a:t>embeddings</a:t>
             </a:r>
             <a:r>
-              <a:rPr lang="en-AU" dirty="0" smtClean="0"/>
+              <a:rPr lang="en-AU" dirty="0"/>
               <a:t> and create a long term memory for GPT.	</a:t>
             </a:r>
           </a:p>
           <a:p>
             <a:r>
-              <a:rPr lang="en-AU" dirty="0" smtClean="0"/>
+              <a:rPr lang="en-AU" dirty="0"/>
               <a:t>Create tools that GPT can call, </a:t>
             </a:r>
             <a:r>
-              <a:rPr lang="en-AU" dirty="0" err="1" smtClean="0"/>
+              <a:rPr lang="en-AU" dirty="0" err="1"/>
               <a:t>calander</a:t>
             </a:r>
             <a:r>
-              <a:rPr lang="en-AU" dirty="0" smtClean="0"/>
+              <a:rPr lang="en-AU" dirty="0"/>
               <a:t>, alarms, google search, calculator, </a:t>
             </a:r>
             <a:r>
-              <a:rPr lang="en-AU" dirty="0" err="1" smtClean="0"/>
+              <a:rPr lang="en-AU" dirty="0" err="1"/>
               <a:t>etc</a:t>
             </a:r>
             <a:r>
-              <a:rPr lang="en-AU" dirty="0" smtClean="0"/>
-              <a:t> to make a function assistant like </a:t>
-            </a:r>
-            <a:r>
               <a:rPr lang="en-AU" dirty="0"/>
-              <a:t>S</a:t>
-            </a:r>
-            <a:r>
-              <a:rPr lang="en-AU" dirty="0" smtClean="0"/>
-              <a:t>iri.</a:t>
+              <a:t> to make a function assistant like Siri.</a:t>
             </a:r>
           </a:p>
           <a:p>
@@ -8400,7 +8502,7 @@
           </a:p>
           <a:p>
             <a:r>
-              <a:rPr lang="en-AU" dirty="0" smtClean="0"/>
+              <a:rPr lang="en-AU" dirty="0"/>
               <a:t>Open to contributions</a:t>
             </a:r>
           </a:p>
@@ -8501,19 +8603,14 @@
           <a:p>
             <a:r>
               <a:rPr lang="en-AU" dirty="0"/>
-              <a:t>Employees replaced by </a:t>
-            </a:r>
-            <a:r>
-              <a:rPr lang="en-AU" dirty="0" smtClean="0"/>
-              <a:t>AI</a:t>
-            </a:r>
-          </a:p>
-          <a:p>
-            <a:r>
-              <a:rPr lang="en-AU" dirty="0" smtClean="0"/>
+              <a:t>Employees replaced by AI</a:t>
+            </a:r>
+          </a:p>
+          <a:p>
+            <a:r>
+              <a:rPr lang="en-AU" dirty="0"/>
               <a:t>Knowledge industries will be transformed</a:t>
             </a:r>
-            <a:endParaRPr lang="en-AU" dirty="0"/>
           </a:p>
           <a:p>
             <a:pPr lvl="1"/>
@@ -8672,10 +8769,9 @@
           <a:lstStyle/>
           <a:p>
             <a:r>
-              <a:rPr lang="en-AU" dirty="0" smtClean="0"/>
+              <a:rPr lang="en-AU" dirty="0"/>
               <a:t>Negative Consequences of AI</a:t>
             </a:r>
-            <a:endParaRPr lang="en-AU" dirty="0"/>
           </a:p>
         </p:txBody>
       </p:sp>
@@ -8713,24 +8809,15 @@
           </a:p>
           <a:p>
             <a:r>
-              <a:rPr lang="en-AU" dirty="0" smtClean="0"/>
-              <a:t>Deep-Fakes </a:t>
-            </a:r>
-            <a:r>
               <a:rPr lang="en-AU" dirty="0"/>
-              <a:t>– Can you trust Photo’s, Videos, or Audio recordings ever again</a:t>
-            </a:r>
-            <a:r>
-              <a:rPr lang="en-AU" dirty="0" smtClean="0"/>
-              <a:t>?</a:t>
-            </a:r>
-          </a:p>
-          <a:p>
-            <a:r>
-              <a:rPr lang="en-AU" dirty="0" smtClean="0"/>
+              <a:t>Deep-Fakes – Can you trust Photo’s, Videos, or Audio recordings ever again?</a:t>
+            </a:r>
+          </a:p>
+          <a:p>
+            <a:r>
+              <a:rPr lang="en-AU" dirty="0"/>
               <a:t>Possible inability to know why a decision was made.</a:t>
             </a:r>
-            <a:endParaRPr lang="en-AU" dirty="0"/>
           </a:p>
         </p:txBody>
       </p:sp>
@@ -9501,7 +9588,7 @@
           <p:cNvPr id="2" name="Title 1">
             <a:extLst>
               <a:ext uri="{FF2B5EF4-FFF2-40B4-BE49-F238E27FC236}">
-                <a16:creationId xmlns="" xmlns:a16="http://schemas.microsoft.com/office/drawing/2014/main" id="{141F430D-46A2-1661-BCA7-9930A6041B7D}"/>
+                <a16:creationId xmlns:a16="http://schemas.microsoft.com/office/drawing/2014/main" id="{141F430D-46A2-1661-BCA7-9930A6041B7D}"/>
               </a:ext>
             </a:extLst>
           </p:cNvPr>
@@ -9537,7 +9624,7 @@
           <p:cNvPr id="5" name="Content Placeholder 4">
             <a:extLst>
               <a:ext uri="{FF2B5EF4-FFF2-40B4-BE49-F238E27FC236}">
-                <a16:creationId xmlns="" xmlns:a16="http://schemas.microsoft.com/office/drawing/2014/main" id="{9B87CCD1-B585-F0D1-A968-7A2973894CD7}"/>
+                <a16:creationId xmlns:a16="http://schemas.microsoft.com/office/drawing/2014/main" id="{9B87CCD1-B585-F0D1-A968-7A2973894CD7}"/>
               </a:ext>
             </a:extLst>
           </p:cNvPr>
@@ -10045,7 +10132,7 @@
   <a:extraClrSchemeLst/>
   <a:extLst>
     <a:ext uri="{05A4C25C-085E-4340-85A3-A5531E510DB2}">
-      <thm15:themeFamily xmlns="" xmlns:thm15="http://schemas.microsoft.com/office/thememl/2012/main" name="Office Theme" id="{62F939B6-93AF-4DB8-9C6B-D6C7DFDC589F}" vid="{4A3C46E8-61CC-4603-A589-7422A47A8E4A}"/>
+      <thm15:themeFamily xmlns:thm15="http://schemas.microsoft.com/office/thememl/2012/main" name="Office Theme" id="{62F939B6-93AF-4DB8-9C6B-D6C7DFDC589F}" vid="{4A3C46E8-61CC-4603-A589-7422A47A8E4A}"/>
     </a:ext>
   </a:extLst>
 </a:theme>
@@ -10340,7 +10427,7 @@
   <a:extraClrSchemeLst/>
   <a:extLst>
     <a:ext uri="{05A4C25C-085E-4340-85A3-A5531E510DB2}">
-      <thm15:themeFamily xmlns="" xmlns:thm15="http://schemas.microsoft.com/office/thememl/2012/main" name="Office Theme" id="{62F939B6-93AF-4DB8-9C6B-D6C7DFDC589F}" vid="{4A3C46E8-61CC-4603-A589-7422A47A8E4A}"/>
+      <thm15:themeFamily xmlns:thm15="http://schemas.microsoft.com/office/thememl/2012/main" name="Office Theme" id="{62F939B6-93AF-4DB8-9C6B-D6C7DFDC589F}" vid="{4A3C46E8-61CC-4603-A589-7422A47A8E4A}"/>
     </a:ext>
   </a:extLst>
 </a:theme>

--- a/Documentation/AI and ChatGPT.pptx
+++ b/Documentation/AI and ChatGPT.pptx
@@ -241,7 +241,7 @@
           <a:p>
             <a:fld id="{70B60CFD-5DCB-4285-80B2-FB614FDA26CE}" type="datetimeFigureOut">
               <a:rPr lang="en-AU" smtClean="0"/>
-              <a:t>13/05/2023</a:t>
+              <a:t>28/09/2023</a:t>
             </a:fld>
             <a:endParaRPr lang="en-AU"/>
           </a:p>
@@ -1165,7 +1165,7 @@
           <a:p>
             <a:fld id="{18DC9284-3259-4668-9DB1-17E5134515F4}" type="datetimeFigureOut">
               <a:rPr lang="en-AU" smtClean="0"/>
-              <a:t>13/05/2023</a:t>
+              <a:t>28/09/2023</a:t>
             </a:fld>
             <a:endParaRPr lang="en-AU"/>
           </a:p>
@@ -1365,7 +1365,7 @@
           <a:p>
             <a:fld id="{18DC9284-3259-4668-9DB1-17E5134515F4}" type="datetimeFigureOut">
               <a:rPr lang="en-AU" smtClean="0"/>
-              <a:t>13/05/2023</a:t>
+              <a:t>28/09/2023</a:t>
             </a:fld>
             <a:endParaRPr lang="en-AU"/>
           </a:p>
@@ -1575,7 +1575,7 @@
           <a:p>
             <a:fld id="{18DC9284-3259-4668-9DB1-17E5134515F4}" type="datetimeFigureOut">
               <a:rPr lang="en-AU" smtClean="0"/>
-              <a:t>13/05/2023</a:t>
+              <a:t>28/09/2023</a:t>
             </a:fld>
             <a:endParaRPr lang="en-AU"/>
           </a:p>
@@ -1834,7 +1834,7 @@
           <a:p>
             <a:fld id="{18DC9284-3259-4668-9DB1-17E5134515F4}" type="datetimeFigureOut">
               <a:rPr lang="en-AU" smtClean="0"/>
-              <a:t>13/05/2023</a:t>
+              <a:t>28/09/2023</a:t>
             </a:fld>
             <a:endParaRPr lang="en-AU"/>
           </a:p>
@@ -2110,7 +2110,7 @@
           <a:p>
             <a:fld id="{18DC9284-3259-4668-9DB1-17E5134515F4}" type="datetimeFigureOut">
               <a:rPr lang="en-AU" smtClean="0"/>
-              <a:t>13/05/2023</a:t>
+              <a:t>28/09/2023</a:t>
             </a:fld>
             <a:endParaRPr lang="en-AU"/>
           </a:p>
@@ -2378,7 +2378,7 @@
           <a:p>
             <a:fld id="{18DC9284-3259-4668-9DB1-17E5134515F4}" type="datetimeFigureOut">
               <a:rPr lang="en-AU" smtClean="0"/>
-              <a:t>13/05/2023</a:t>
+              <a:t>28/09/2023</a:t>
             </a:fld>
             <a:endParaRPr lang="en-AU"/>
           </a:p>
@@ -2793,7 +2793,7 @@
           <a:p>
             <a:fld id="{18DC9284-3259-4668-9DB1-17E5134515F4}" type="datetimeFigureOut">
               <a:rPr lang="en-AU" smtClean="0"/>
-              <a:t>13/05/2023</a:t>
+              <a:t>28/09/2023</a:t>
             </a:fld>
             <a:endParaRPr lang="en-AU"/>
           </a:p>
@@ -2935,7 +2935,7 @@
           <a:p>
             <a:fld id="{18DC9284-3259-4668-9DB1-17E5134515F4}" type="datetimeFigureOut">
               <a:rPr lang="en-AU" smtClean="0"/>
-              <a:t>13/05/2023</a:t>
+              <a:t>28/09/2023</a:t>
             </a:fld>
             <a:endParaRPr lang="en-AU"/>
           </a:p>
@@ -3048,7 +3048,7 @@
           <a:p>
             <a:fld id="{18DC9284-3259-4668-9DB1-17E5134515F4}" type="datetimeFigureOut">
               <a:rPr lang="en-AU" smtClean="0"/>
-              <a:t>13/05/2023</a:t>
+              <a:t>28/09/2023</a:t>
             </a:fld>
             <a:endParaRPr lang="en-AU"/>
           </a:p>
@@ -3361,7 +3361,7 @@
           <a:p>
             <a:fld id="{18DC9284-3259-4668-9DB1-17E5134515F4}" type="datetimeFigureOut">
               <a:rPr lang="en-AU" smtClean="0"/>
-              <a:t>13/05/2023</a:t>
+              <a:t>28/09/2023</a:t>
             </a:fld>
             <a:endParaRPr lang="en-AU"/>
           </a:p>
@@ -3650,7 +3650,7 @@
           <a:p>
             <a:fld id="{18DC9284-3259-4668-9DB1-17E5134515F4}" type="datetimeFigureOut">
               <a:rPr lang="en-AU" smtClean="0"/>
-              <a:t>13/05/2023</a:t>
+              <a:t>28/09/2023</a:t>
             </a:fld>
             <a:endParaRPr lang="en-AU"/>
           </a:p>
@@ -3893,7 +3893,7 @@
           <a:p>
             <a:fld id="{18DC9284-3259-4668-9DB1-17E5134515F4}" type="datetimeFigureOut">
               <a:rPr lang="en-AU" smtClean="0"/>
-              <a:t>13/05/2023</a:t>
+              <a:t>28/09/2023</a:t>
             </a:fld>
             <a:endParaRPr lang="en-AU"/>
           </a:p>
@@ -5082,6 +5082,140 @@
           <a:p>
             <a:pPr lvl="1"/>
             <a:r>
+              <a:rPr lang="en-AU" sz="2200" dirty="0">
+                <a:highlight>
+                  <a:srgbClr val="FFFF00"/>
+                </a:highlight>
+              </a:rPr>
+              <a:t>OpenAI Whisper, Microsoft</a:t>
+            </a:r>
+            <a:r>
+              <a:rPr lang="en-AU" sz="2200" dirty="0"/>
+              <a:t>, Amazon, </a:t>
+            </a:r>
+            <a:r>
+              <a:rPr lang="en-AU" sz="2200" dirty="0">
+                <a:highlight>
+                  <a:srgbClr val="FFFF00"/>
+                </a:highlight>
+              </a:rPr>
+              <a:t>Google, </a:t>
+            </a:r>
+            <a:r>
+              <a:rPr lang="en-AU" sz="2200" dirty="0" err="1">
+                <a:highlight>
+                  <a:srgbClr val="FFFF00"/>
+                </a:highlight>
+              </a:rPr>
+              <a:t>DeepGram</a:t>
+            </a:r>
+            <a:r>
+              <a:rPr lang="en-AU" sz="2200" dirty="0">
+                <a:highlight>
+                  <a:srgbClr val="FFFF00"/>
+                </a:highlight>
+              </a:rPr>
+              <a:t>, Assembly.AI</a:t>
+            </a:r>
+          </a:p>
+          <a:p>
+            <a:r>
+              <a:rPr lang="en-AU" sz="2600" dirty="0"/>
+              <a:t>Text to Speech – </a:t>
+            </a:r>
+          </a:p>
+          <a:p>
+            <a:pPr lvl="1"/>
+            <a:r>
+              <a:rPr lang="en-AU" sz="2200" dirty="0">
+                <a:highlight>
+                  <a:srgbClr val="FFFF00"/>
+                </a:highlight>
+              </a:rPr>
+              <a:t>Eleven Labs, Microsoft, Amazon Polly, Google, Windows SAPI</a:t>
+            </a:r>
+          </a:p>
+          <a:p>
+            <a:r>
+              <a:rPr lang="en-AU" sz="2600" dirty="0"/>
+              <a:t>Face Recognition – </a:t>
+            </a:r>
+          </a:p>
+          <a:p>
+            <a:pPr lvl="1"/>
+            <a:r>
+              <a:rPr lang="en-AU" sz="2200" dirty="0">
+                <a:highlight>
+                  <a:srgbClr val="FFFF00"/>
+                </a:highlight>
+              </a:rPr>
+              <a:t>Microsoft</a:t>
+            </a:r>
+            <a:r>
+              <a:rPr lang="en-AU" sz="2200" dirty="0"/>
+              <a:t>, Amazon, </a:t>
+            </a:r>
+            <a:r>
+              <a:rPr lang="en-AU" sz="2200" dirty="0">
+                <a:highlight>
+                  <a:srgbClr val="FFFF00"/>
+                </a:highlight>
+              </a:rPr>
+              <a:t>Google</a:t>
+            </a:r>
+            <a:r>
+              <a:rPr lang="en-AU" sz="2200" dirty="0"/>
+              <a:t>, </a:t>
+            </a:r>
+            <a:r>
+              <a:rPr lang="en-AU" sz="2200" dirty="0" err="1"/>
+              <a:t>OpenCV</a:t>
+            </a:r>
+            <a:r>
+              <a:rPr lang="en-AU" sz="2200" dirty="0"/>
+              <a:t>, </a:t>
+            </a:r>
+            <a:r>
+              <a:rPr lang="en-AU" sz="2200" dirty="0" err="1">
+                <a:highlight>
+                  <a:srgbClr val="FFFF00"/>
+                </a:highlight>
+              </a:rPr>
+              <a:t>TensorFlow</a:t>
+            </a:r>
+            <a:endParaRPr lang="en-AU" sz="2200" dirty="0">
+              <a:highlight>
+                <a:srgbClr val="FFFF00"/>
+              </a:highlight>
+            </a:endParaRPr>
+          </a:p>
+          <a:p>
+            <a:r>
+              <a:rPr lang="en-AU" sz="2600" dirty="0"/>
+              <a:t>Object Recognition – </a:t>
+            </a:r>
+          </a:p>
+          <a:p>
+            <a:pPr lvl="1"/>
+            <a:r>
+              <a:rPr lang="en-AU" sz="2200" dirty="0"/>
+              <a:t>Microsoft, Amazon, Google, </a:t>
+            </a:r>
+            <a:r>
+              <a:rPr lang="en-AU" sz="2200" dirty="0" err="1"/>
+              <a:t>OpenCV</a:t>
+            </a:r>
+            <a:endParaRPr lang="en-AU" sz="2200" dirty="0"/>
+          </a:p>
+          <a:p>
+            <a:r>
+              <a:rPr lang="en-AU" sz="2600" dirty="0"/>
+              <a:t>Image Generation – </a:t>
+            </a:r>
+          </a:p>
+          <a:p>
+            <a:pPr lvl="1"/>
+            <a:r>
               <a:rPr lang="en-AU" sz="2200" dirty="0" err="1">
                 <a:highlight>
                   <a:srgbClr val="FFFF00"/>
@@ -5095,11 +5229,60 @@
                   <a:srgbClr val="FFFF00"/>
                 </a:highlight>
               </a:rPr>
-              <a:t> Whisper, Microsoft</a:t>
+              <a:t> DALL-E 2</a:t>
             </a:r>
             <a:r>
               <a:rPr lang="en-AU" sz="2200" dirty="0"/>
-              <a:t>, Amazon, </a:t>
+              <a:t>, </a:t>
+            </a:r>
+            <a:r>
+              <a:rPr lang="en-AU" sz="2200" dirty="0" err="1"/>
+              <a:t>Midjourney</a:t>
+            </a:r>
+            <a:r>
+              <a:rPr lang="en-AU" sz="2200" dirty="0"/>
+              <a:t>, </a:t>
+            </a:r>
+            <a:r>
+              <a:rPr lang="en-AU" sz="2200" dirty="0">
+                <a:highlight>
+                  <a:srgbClr val="FFFF00"/>
+                </a:highlight>
+              </a:rPr>
+              <a:t>Stable Diffusion</a:t>
+            </a:r>
+          </a:p>
+          <a:p>
+            <a:r>
+              <a:rPr lang="en-AU" sz="2600" dirty="0"/>
+              <a:t>Language Translation – </a:t>
+            </a:r>
+          </a:p>
+          <a:p>
+            <a:pPr lvl="1"/>
+            <a:r>
+              <a:rPr lang="en-AU" sz="2200" dirty="0">
+                <a:highlight>
+                  <a:srgbClr val="FFFF00"/>
+                </a:highlight>
+              </a:rPr>
+              <a:t>Microsoft</a:t>
+            </a:r>
+            <a:r>
+              <a:rPr lang="en-AU" sz="2200" dirty="0"/>
+              <a:t>, </a:t>
+            </a:r>
+            <a:r>
+              <a:rPr lang="en-AU" sz="2200" dirty="0">
+                <a:highlight>
+                  <a:srgbClr val="FFFF00"/>
+                </a:highlight>
+              </a:rPr>
+              <a:t>Amazon</a:t>
+            </a:r>
+            <a:r>
+              <a:rPr lang="en-AU" sz="2200" dirty="0"/>
+              <a:t>, </a:t>
             </a:r>
             <a:r>
               <a:rPr lang="en-AU" sz="2200" dirty="0">
@@ -5109,100 +5292,24 @@
               </a:rPr>
               <a:t>Google</a:t>
             </a:r>
-          </a:p>
-          <a:p>
-            <a:r>
-              <a:rPr lang="en-AU" sz="2600" dirty="0"/>
-              <a:t>Text to Speech – </a:t>
-            </a:r>
-          </a:p>
-          <a:p>
-            <a:pPr lvl="1"/>
-            <a:r>
-              <a:rPr lang="en-AU" sz="2200" dirty="0">
-                <a:highlight>
-                  <a:srgbClr val="FFFF00"/>
-                </a:highlight>
-              </a:rPr>
-              <a:t>Eleven Labs, Microsoft, Amazon Polly, Google, Windows SAPI</a:t>
-            </a:r>
-          </a:p>
-          <a:p>
-            <a:r>
-              <a:rPr lang="en-AU" sz="2600" dirty="0"/>
-              <a:t>Face Recognition – </a:t>
-            </a:r>
-          </a:p>
-          <a:p>
-            <a:pPr lvl="1"/>
-            <a:r>
-              <a:rPr lang="en-AU" sz="2200" dirty="0">
-                <a:highlight>
-                  <a:srgbClr val="FFFF00"/>
-                </a:highlight>
-              </a:rPr>
-              <a:t>Microsoft</a:t>
-            </a:r>
-            <a:r>
-              <a:rPr lang="en-AU" sz="2200" dirty="0"/>
-              <a:t>, Amazon, </a:t>
-            </a:r>
-            <a:r>
-              <a:rPr lang="en-AU" sz="2200" dirty="0">
-                <a:highlight>
-                  <a:srgbClr val="FFFF00"/>
-                </a:highlight>
-              </a:rPr>
-              <a:t>Google</a:t>
-            </a:r>
             <a:r>
               <a:rPr lang="en-AU" sz="2200" dirty="0"/>
               <a:t>, </a:t>
             </a:r>
             <a:r>
               <a:rPr lang="en-AU" sz="2200" dirty="0" err="1"/>
-              <a:t>OpenCV</a:t>
-            </a:r>
-            <a:r>
-              <a:rPr lang="en-AU" sz="2200" dirty="0"/>
-              <a:t>, </a:t>
-            </a:r>
-            <a:r>
-              <a:rPr lang="en-AU" sz="2200" dirty="0" err="1">
-                <a:highlight>
-                  <a:srgbClr val="FFFF00"/>
-                </a:highlight>
-              </a:rPr>
-              <a:t>TensorFlow</a:t>
-            </a:r>
-            <a:endParaRPr lang="en-AU" sz="2200" dirty="0">
-              <a:highlight>
-                <a:srgbClr val="FFFF00"/>
-              </a:highlight>
-            </a:endParaRPr>
-          </a:p>
-          <a:p>
+              <a:t>etc</a:t>
+            </a:r>
+            <a:endParaRPr lang="en-AU" sz="2200" dirty="0"/>
+          </a:p>
+          <a:p>
+            <a:r>
+              <a:rPr lang="en-AU" sz="2600" dirty="0" err="1"/>
+              <a:t>Chatbot</a:t>
+            </a:r>
             <a:r>
               <a:rPr lang="en-AU" sz="2600" dirty="0"/>
-              <a:t>Object Recognition – </a:t>
-            </a:r>
-          </a:p>
-          <a:p>
-            <a:pPr lvl="1"/>
-            <a:r>
-              <a:rPr lang="en-AU" sz="2200" dirty="0"/>
-              <a:t>Microsoft, Amazon, Google, </a:t>
-            </a:r>
-            <a:r>
-              <a:rPr lang="en-AU" sz="2200" dirty="0" err="1"/>
-              <a:t>OpenCV</a:t>
-            </a:r>
-            <a:endParaRPr lang="en-AU" sz="2200" dirty="0"/>
-          </a:p>
-          <a:p>
-            <a:r>
-              <a:rPr lang="en-AU" sz="2600" dirty="0"/>
-              <a:t>Image Generation – </a:t>
+              <a:t> / Language Model – </a:t>
             </a:r>
           </a:p>
           <a:p>
@@ -5221,83 +5328,28 @@
                   <a:srgbClr val="FFFF00"/>
                 </a:highlight>
               </a:rPr>
-              <a:t> DALL-E 2</a:t>
+              <a:t> GPT3/3.5</a:t>
             </a:r>
             <a:r>
               <a:rPr lang="en-AU" sz="2200" dirty="0"/>
-              <a:t>, </a:t>
-            </a:r>
-            <a:r>
-              <a:rPr lang="en-AU" sz="2200" dirty="0" err="1"/>
-              <a:t>Midjourney</a:t>
-            </a:r>
-            <a:r>
-              <a:rPr lang="en-AU" sz="2200" dirty="0"/>
-              <a:t>, Stable Diffusion</a:t>
-            </a:r>
-          </a:p>
-          <a:p>
-            <a:r>
-              <a:rPr lang="en-AU" sz="2600" dirty="0"/>
-              <a:t>Language Translation – </a:t>
-            </a:r>
-          </a:p>
-          <a:p>
-            <a:pPr lvl="1"/>
+              <a:t>/4/</a:t>
+            </a:r>
+            <a:r>
+              <a:rPr lang="en-AU" sz="2200" dirty="0" err="1">
+                <a:highlight>
+                  <a:srgbClr val="FFFF00"/>
+                </a:highlight>
+              </a:rPr>
+              <a:t>ChatGPT</a:t>
+            </a:r>
             <a:r>
               <a:rPr lang="en-AU" sz="2200" dirty="0">
                 <a:highlight>
                   <a:srgbClr val="FFFF00"/>
                 </a:highlight>
               </a:rPr>
-              <a:t>Microsoft</a:t>
-            </a:r>
-            <a:r>
-              <a:rPr lang="en-AU" sz="2200" dirty="0"/>
-              <a:t>, </a:t>
-            </a:r>
-            <a:r>
-              <a:rPr lang="en-AU" sz="2200" dirty="0">
-                <a:highlight>
-                  <a:srgbClr val="FFFF00"/>
-                </a:highlight>
-              </a:rPr>
-              <a:t>Amazon</a:t>
-            </a:r>
-            <a:r>
-              <a:rPr lang="en-AU" sz="2200" dirty="0"/>
-              <a:t>, </a:t>
-            </a:r>
-            <a:r>
-              <a:rPr lang="en-AU" sz="2200" dirty="0">
-                <a:highlight>
-                  <a:srgbClr val="FFFF00"/>
-                </a:highlight>
-              </a:rPr>
-              <a:t>Google</a:t>
-            </a:r>
-            <a:r>
-              <a:rPr lang="en-AU" sz="2200" dirty="0"/>
-              <a:t>, </a:t>
-            </a:r>
-            <a:r>
-              <a:rPr lang="en-AU" sz="2200" dirty="0" err="1"/>
-              <a:t>etc</a:t>
-            </a:r>
-            <a:endParaRPr lang="en-AU" sz="2200" dirty="0"/>
-          </a:p>
-          <a:p>
-            <a:r>
-              <a:rPr lang="en-AU" sz="2600" dirty="0" err="1"/>
-              <a:t>Chatbot</a:t>
-            </a:r>
-            <a:r>
-              <a:rPr lang="en-AU" sz="2600" dirty="0"/>
-              <a:t> / Language Model – </a:t>
-            </a:r>
-          </a:p>
-          <a:p>
-            <a:pPr lvl="1"/>
+              <a:t>, Microsoft </a:t>
+            </a:r>
             <a:r>
               <a:rPr lang="en-AU" sz="2200" dirty="0" err="1">
                 <a:highlight>
@@ -5307,16 +5359,20 @@
               <a:t>OpenAI</a:t>
             </a:r>
             <a:r>
+              <a:rPr lang="en-AU" sz="2200" dirty="0"/>
+              <a:t>, </a:t>
+            </a:r>
+            <a:r>
               <a:rPr lang="en-AU" sz="2200" dirty="0">
                 <a:highlight>
                   <a:srgbClr val="FFFF00"/>
                 </a:highlight>
               </a:rPr>
-              <a:t> GPT3/3.5</a:t>
+              <a:t>Facebook Llama</a:t>
             </a:r>
             <a:r>
               <a:rPr lang="en-AU" sz="2200" dirty="0"/>
-              <a:t>/4/</a:t>
+              <a:t>, Google Bard, Baidu Ernie, </a:t>
             </a:r>
             <a:r>
               <a:rPr lang="en-AU" sz="2200" dirty="0" err="1">
@@ -5324,7 +5380,7 @@
                   <a:srgbClr val="FFFF00"/>
                 </a:highlight>
               </a:rPr>
-              <a:t>ChatGPT</a:t>
+              <a:t>Anthropic’s</a:t>
             </a:r>
             <a:r>
               <a:rPr lang="en-AU" sz="2200" dirty="0">
@@ -5332,26 +5388,6 @@
                   <a:srgbClr val="FFFF00"/>
                 </a:highlight>
               </a:rPr>
-              <a:t>, Microsoft </a:t>
-            </a:r>
-            <a:r>
-              <a:rPr lang="en-AU" sz="2200" dirty="0" err="1">
-                <a:highlight>
-                  <a:srgbClr val="FFFF00"/>
-                </a:highlight>
-              </a:rPr>
-              <a:t>OpenAI</a:t>
-            </a:r>
-            <a:r>
-              <a:rPr lang="en-AU" sz="2200" dirty="0"/>
-              <a:t>, Facebook Llama, Google Bard, Baidu Ernie, </a:t>
-            </a:r>
-            <a:r>
-              <a:rPr lang="en-AU" sz="2200" dirty="0" err="1"/>
-              <a:t>Anthropic’s</a:t>
-            </a:r>
-            <a:r>
-              <a:rPr lang="en-AU" sz="2200" dirty="0"/>
               <a:t> Claude</a:t>
             </a:r>
           </a:p>
